--- a/icons/internal/logo/logo.pptx
+++ b/icons/internal/logo/logo.pptx
@@ -2,15 +2,12 @@
 <file path=ppt/presentation.xml><?xml version="1.0" encoding="utf-8"?>
 <p:presentation xmlns:a="http://schemas.openxmlformats.org/drawingml/2006/main" xmlns:r="http://schemas.openxmlformats.org/officeDocument/2006/relationships" xmlns:p="http://schemas.openxmlformats.org/presentationml/2006/main" saveSubsetFonts="1">
   <p:sldMasterIdLst>
-    <p:sldMasterId id="2147483696" r:id="rId1"/>
+    <p:sldMasterId id="2147483648" r:id="rId1"/>
   </p:sldMasterIdLst>
-  <p:notesMasterIdLst>
-    <p:notesMasterId r:id="rId3"/>
-  </p:notesMasterIdLst>
   <p:sldIdLst>
     <p:sldId id="256" r:id="rId2"/>
   </p:sldIdLst>
-  <p:sldSz cx="27432000" cy="9144000"/>
+  <p:sldSz cx="51206400" cy="9144000"/>
   <p:notesSz cx="6858000" cy="9144000"/>
   <p:defaultTextStyle>
     <a:defPPr>
@@ -109,444 +106,21 @@
   </p:defaultTextStyle>
   <p:extLst>
     <p:ext uri="{EFAFB233-063F-42B5-8137-9DF3F51BA10A}">
-      <p15:sldGuideLst xmlns:p15="http://schemas.microsoft.com/office/powerpoint/2012/main"/>
+      <p15:sldGuideLst xmlns:p15="http://schemas.microsoft.com/office/powerpoint/2012/main">
+        <p15:guide id="1" orient="horz" pos="2880" userDrawn="1">
+          <p15:clr>
+            <a:srgbClr val="A4A3A4"/>
+          </p15:clr>
+        </p15:guide>
+        <p15:guide id="2" pos="16128" userDrawn="1">
+          <p15:clr>
+            <a:srgbClr val="A4A3A4"/>
+          </p15:clr>
+        </p15:guide>
+      </p15:sldGuideLst>
     </p:ext>
   </p:extLst>
 </p:presentation>
-</file>
-
-<file path=ppt/notesMasters/notesMaster1.xml><?xml version="1.0" encoding="utf-8"?>
-<p:notesMaster xmlns:a="http://schemas.openxmlformats.org/drawingml/2006/main" xmlns:r="http://schemas.openxmlformats.org/officeDocument/2006/relationships" xmlns:p="http://schemas.openxmlformats.org/presentationml/2006/main">
-  <p:cSld>
-    <p:bg>
-      <p:bgRef idx="1001">
-        <a:schemeClr val="bg1"/>
-      </p:bgRef>
-    </p:bg>
-    <p:spTree>
-      <p:nvGrpSpPr>
-        <p:cNvPr id="1" name=""/>
-        <p:cNvGrpSpPr/>
-        <p:nvPr/>
-      </p:nvGrpSpPr>
-      <p:grpSpPr>
-        <a:xfrm>
-          <a:off x="0" y="0"/>
-          <a:ext cx="0" cy="0"/>
-          <a:chOff x="0" y="0"/>
-          <a:chExt cx="0" cy="0"/>
-        </a:xfrm>
-      </p:grpSpPr>
-      <p:sp>
-        <p:nvSpPr>
-          <p:cNvPr id="2" name="Header Placeholder 1"/>
-          <p:cNvSpPr>
-            <a:spLocks noGrp="1"/>
-          </p:cNvSpPr>
-          <p:nvPr>
-            <p:ph type="hdr" sz="quarter"/>
-          </p:nvPr>
-        </p:nvSpPr>
-        <p:spPr>
-          <a:xfrm>
-            <a:off x="0" y="0"/>
-            <a:ext cx="2971800" cy="458788"/>
-          </a:xfrm>
-          <a:prstGeom prst="rect">
-            <a:avLst/>
-          </a:prstGeom>
-        </p:spPr>
-        <p:txBody>
-          <a:bodyPr vert="horz" lIns="91440" tIns="45720" rIns="91440" bIns="45720" rtlCol="0"/>
-          <a:lstStyle>
-            <a:lvl1pPr algn="l">
-              <a:defRPr sz="1200"/>
-            </a:lvl1pPr>
-          </a:lstStyle>
-          <a:p>
-            <a:endParaRPr lang="en-US"/>
-          </a:p>
-        </p:txBody>
-      </p:sp>
-      <p:sp>
-        <p:nvSpPr>
-          <p:cNvPr id="3" name="Date Placeholder 2"/>
-          <p:cNvSpPr>
-            <a:spLocks noGrp="1"/>
-          </p:cNvSpPr>
-          <p:nvPr>
-            <p:ph type="dt" idx="1"/>
-          </p:nvPr>
-        </p:nvSpPr>
-        <p:spPr>
-          <a:xfrm>
-            <a:off x="3884613" y="0"/>
-            <a:ext cx="2971800" cy="458788"/>
-          </a:xfrm>
-          <a:prstGeom prst="rect">
-            <a:avLst/>
-          </a:prstGeom>
-        </p:spPr>
-        <p:txBody>
-          <a:bodyPr vert="horz" lIns="91440" tIns="45720" rIns="91440" bIns="45720" rtlCol="0"/>
-          <a:lstStyle>
-            <a:lvl1pPr algn="r">
-              <a:defRPr sz="1200"/>
-            </a:lvl1pPr>
-          </a:lstStyle>
-          <a:p>
-            <a:fld id="{9C25AD19-D452-482C-B4BC-8B7FCFF1F37E}" type="datetimeFigureOut">
-              <a:rPr lang="en-US" smtClean="0"/>
-              <a:t>6/16/2014</a:t>
-            </a:fld>
-            <a:endParaRPr lang="en-US"/>
-          </a:p>
-        </p:txBody>
-      </p:sp>
-      <p:sp>
-        <p:nvSpPr>
-          <p:cNvPr id="4" name="Slide Image Placeholder 3"/>
-          <p:cNvSpPr>
-            <a:spLocks noGrp="1" noRot="1" noChangeAspect="1"/>
-          </p:cNvSpPr>
-          <p:nvPr>
-            <p:ph type="sldImg" idx="2"/>
-          </p:nvPr>
-        </p:nvSpPr>
-        <p:spPr>
-          <a:xfrm>
-            <a:off x="-1200150" y="1143000"/>
-            <a:ext cx="9258300" cy="3086100"/>
-          </a:xfrm>
-          <a:prstGeom prst="rect">
-            <a:avLst/>
-          </a:prstGeom>
-          <a:noFill/>
-          <a:ln w="12700">
-            <a:solidFill>
-              <a:prstClr val="black"/>
-            </a:solidFill>
-          </a:ln>
-        </p:spPr>
-        <p:txBody>
-          <a:bodyPr vert="horz" lIns="91440" tIns="45720" rIns="91440" bIns="45720" rtlCol="0" anchor="ctr"/>
-          <a:lstStyle/>
-          <a:p>
-            <a:endParaRPr lang="en-US"/>
-          </a:p>
-        </p:txBody>
-      </p:sp>
-      <p:sp>
-        <p:nvSpPr>
-          <p:cNvPr id="5" name="Notes Placeholder 4"/>
-          <p:cNvSpPr>
-            <a:spLocks noGrp="1"/>
-          </p:cNvSpPr>
-          <p:nvPr>
-            <p:ph type="body" sz="quarter" idx="3"/>
-          </p:nvPr>
-        </p:nvSpPr>
-        <p:spPr>
-          <a:xfrm>
-            <a:off x="685800" y="4400550"/>
-            <a:ext cx="5486400" cy="3600450"/>
-          </a:xfrm>
-          <a:prstGeom prst="rect">
-            <a:avLst/>
-          </a:prstGeom>
-        </p:spPr>
-        <p:txBody>
-          <a:bodyPr vert="horz" lIns="91440" tIns="45720" rIns="91440" bIns="45720" rtlCol="0"/>
-          <a:lstStyle/>
-          <a:p>
-            <a:pPr lvl="0"/>
-            <a:r>
-              <a:rPr lang="en-US" smtClean="0"/>
-              <a:t>Click to edit Master text styles</a:t>
-            </a:r>
-          </a:p>
-          <a:p>
-            <a:pPr lvl="1"/>
-            <a:r>
-              <a:rPr lang="en-US" smtClean="0"/>
-              <a:t>Second level</a:t>
-            </a:r>
-          </a:p>
-          <a:p>
-            <a:pPr lvl="2"/>
-            <a:r>
-              <a:rPr lang="en-US" smtClean="0"/>
-              <a:t>Third level</a:t>
-            </a:r>
-          </a:p>
-          <a:p>
-            <a:pPr lvl="3"/>
-            <a:r>
-              <a:rPr lang="en-US" smtClean="0"/>
-              <a:t>Fourth level</a:t>
-            </a:r>
-          </a:p>
-          <a:p>
-            <a:pPr lvl="4"/>
-            <a:r>
-              <a:rPr lang="en-US" smtClean="0"/>
-              <a:t>Fifth level</a:t>
-            </a:r>
-            <a:endParaRPr lang="en-US"/>
-          </a:p>
-        </p:txBody>
-      </p:sp>
-      <p:sp>
-        <p:nvSpPr>
-          <p:cNvPr id="6" name="Footer Placeholder 5"/>
-          <p:cNvSpPr>
-            <a:spLocks noGrp="1"/>
-          </p:cNvSpPr>
-          <p:nvPr>
-            <p:ph type="ftr" sz="quarter" idx="4"/>
-          </p:nvPr>
-        </p:nvSpPr>
-        <p:spPr>
-          <a:xfrm>
-            <a:off x="0" y="8685213"/>
-            <a:ext cx="2971800" cy="458787"/>
-          </a:xfrm>
-          <a:prstGeom prst="rect">
-            <a:avLst/>
-          </a:prstGeom>
-        </p:spPr>
-        <p:txBody>
-          <a:bodyPr vert="horz" lIns="91440" tIns="45720" rIns="91440" bIns="45720" rtlCol="0" anchor="b"/>
-          <a:lstStyle>
-            <a:lvl1pPr algn="l">
-              <a:defRPr sz="1200"/>
-            </a:lvl1pPr>
-          </a:lstStyle>
-          <a:p>
-            <a:endParaRPr lang="en-US"/>
-          </a:p>
-        </p:txBody>
-      </p:sp>
-      <p:sp>
-        <p:nvSpPr>
-          <p:cNvPr id="7" name="Slide Number Placeholder 6"/>
-          <p:cNvSpPr>
-            <a:spLocks noGrp="1"/>
-          </p:cNvSpPr>
-          <p:nvPr>
-            <p:ph type="sldNum" sz="quarter" idx="5"/>
-          </p:nvPr>
-        </p:nvSpPr>
-        <p:spPr>
-          <a:xfrm>
-            <a:off x="3884613" y="8685213"/>
-            <a:ext cx="2971800" cy="458787"/>
-          </a:xfrm>
-          <a:prstGeom prst="rect">
-            <a:avLst/>
-          </a:prstGeom>
-        </p:spPr>
-        <p:txBody>
-          <a:bodyPr vert="horz" lIns="91440" tIns="45720" rIns="91440" bIns="45720" rtlCol="0" anchor="b"/>
-          <a:lstStyle>
-            <a:lvl1pPr algn="r">
-              <a:defRPr sz="1200"/>
-            </a:lvl1pPr>
-          </a:lstStyle>
-          <a:p>
-            <a:fld id="{1B33FE52-1716-4BCC-A8E5-C13FCE91A286}" type="slidenum">
-              <a:rPr lang="en-US" smtClean="0"/>
-              <a:t>‹#›</a:t>
-            </a:fld>
-            <a:endParaRPr lang="en-US"/>
-          </a:p>
-        </p:txBody>
-      </p:sp>
-    </p:spTree>
-    <p:extLst>
-      <p:ext uri="{BB962C8B-B14F-4D97-AF65-F5344CB8AC3E}">
-        <p14:creationId xmlns:p14="http://schemas.microsoft.com/office/powerpoint/2010/main" val="2990666772"/>
-      </p:ext>
-    </p:extLst>
-  </p:cSld>
-  <p:clrMap bg1="lt1" tx1="dk1" bg2="lt2" tx2="dk2" accent1="accent1" accent2="accent2" accent3="accent3" accent4="accent4" accent5="accent5" accent6="accent6" hlink="hlink" folHlink="folHlink"/>
-  <p:notesStyle>
-    <a:lvl1pPr marL="0" algn="l" defTabSz="914400" rtl="0" eaLnBrk="1" latinLnBrk="0" hangingPunct="1">
-      <a:defRPr sz="1200" kern="1200">
-        <a:solidFill>
-          <a:schemeClr val="tx1"/>
-        </a:solidFill>
-        <a:latin typeface="+mn-lt"/>
-        <a:ea typeface="+mn-ea"/>
-        <a:cs typeface="+mn-cs"/>
-      </a:defRPr>
-    </a:lvl1pPr>
-    <a:lvl2pPr marL="457200" algn="l" defTabSz="914400" rtl="0" eaLnBrk="1" latinLnBrk="0" hangingPunct="1">
-      <a:defRPr sz="1200" kern="1200">
-        <a:solidFill>
-          <a:schemeClr val="tx1"/>
-        </a:solidFill>
-        <a:latin typeface="+mn-lt"/>
-        <a:ea typeface="+mn-ea"/>
-        <a:cs typeface="+mn-cs"/>
-      </a:defRPr>
-    </a:lvl2pPr>
-    <a:lvl3pPr marL="914400" algn="l" defTabSz="914400" rtl="0" eaLnBrk="1" latinLnBrk="0" hangingPunct="1">
-      <a:defRPr sz="1200" kern="1200">
-        <a:solidFill>
-          <a:schemeClr val="tx1"/>
-        </a:solidFill>
-        <a:latin typeface="+mn-lt"/>
-        <a:ea typeface="+mn-ea"/>
-        <a:cs typeface="+mn-cs"/>
-      </a:defRPr>
-    </a:lvl3pPr>
-    <a:lvl4pPr marL="1371600" algn="l" defTabSz="914400" rtl="0" eaLnBrk="1" latinLnBrk="0" hangingPunct="1">
-      <a:defRPr sz="1200" kern="1200">
-        <a:solidFill>
-          <a:schemeClr val="tx1"/>
-        </a:solidFill>
-        <a:latin typeface="+mn-lt"/>
-        <a:ea typeface="+mn-ea"/>
-        <a:cs typeface="+mn-cs"/>
-      </a:defRPr>
-    </a:lvl4pPr>
-    <a:lvl5pPr marL="1828800" algn="l" defTabSz="914400" rtl="0" eaLnBrk="1" latinLnBrk="0" hangingPunct="1">
-      <a:defRPr sz="1200" kern="1200">
-        <a:solidFill>
-          <a:schemeClr val="tx1"/>
-        </a:solidFill>
-        <a:latin typeface="+mn-lt"/>
-        <a:ea typeface="+mn-ea"/>
-        <a:cs typeface="+mn-cs"/>
-      </a:defRPr>
-    </a:lvl5pPr>
-    <a:lvl6pPr marL="2286000" algn="l" defTabSz="914400" rtl="0" eaLnBrk="1" latinLnBrk="0" hangingPunct="1">
-      <a:defRPr sz="1200" kern="1200">
-        <a:solidFill>
-          <a:schemeClr val="tx1"/>
-        </a:solidFill>
-        <a:latin typeface="+mn-lt"/>
-        <a:ea typeface="+mn-ea"/>
-        <a:cs typeface="+mn-cs"/>
-      </a:defRPr>
-    </a:lvl6pPr>
-    <a:lvl7pPr marL="2743200" algn="l" defTabSz="914400" rtl="0" eaLnBrk="1" latinLnBrk="0" hangingPunct="1">
-      <a:defRPr sz="1200" kern="1200">
-        <a:solidFill>
-          <a:schemeClr val="tx1"/>
-        </a:solidFill>
-        <a:latin typeface="+mn-lt"/>
-        <a:ea typeface="+mn-ea"/>
-        <a:cs typeface="+mn-cs"/>
-      </a:defRPr>
-    </a:lvl7pPr>
-    <a:lvl8pPr marL="3200400" algn="l" defTabSz="914400" rtl="0" eaLnBrk="1" latinLnBrk="0" hangingPunct="1">
-      <a:defRPr sz="1200" kern="1200">
-        <a:solidFill>
-          <a:schemeClr val="tx1"/>
-        </a:solidFill>
-        <a:latin typeface="+mn-lt"/>
-        <a:ea typeface="+mn-ea"/>
-        <a:cs typeface="+mn-cs"/>
-      </a:defRPr>
-    </a:lvl8pPr>
-    <a:lvl9pPr marL="3657600" algn="l" defTabSz="914400" rtl="0" eaLnBrk="1" latinLnBrk="0" hangingPunct="1">
-      <a:defRPr sz="1200" kern="1200">
-        <a:solidFill>
-          <a:schemeClr val="tx1"/>
-        </a:solidFill>
-        <a:latin typeface="+mn-lt"/>
-        <a:ea typeface="+mn-ea"/>
-        <a:cs typeface="+mn-cs"/>
-      </a:defRPr>
-    </a:lvl9pPr>
-  </p:notesStyle>
-</p:notesMaster>
-</file>
-
-<file path=ppt/notesSlides/notesSlide1.xml><?xml version="1.0" encoding="utf-8"?>
-<p:notes xmlns:a="http://schemas.openxmlformats.org/drawingml/2006/main" xmlns:r="http://schemas.openxmlformats.org/officeDocument/2006/relationships" xmlns:p="http://schemas.openxmlformats.org/presentationml/2006/main">
-  <p:cSld>
-    <p:spTree>
-      <p:nvGrpSpPr>
-        <p:cNvPr id="1" name=""/>
-        <p:cNvGrpSpPr/>
-        <p:nvPr/>
-      </p:nvGrpSpPr>
-      <p:grpSpPr>
-        <a:xfrm>
-          <a:off x="0" y="0"/>
-          <a:ext cx="0" cy="0"/>
-          <a:chOff x="0" y="0"/>
-          <a:chExt cx="0" cy="0"/>
-        </a:xfrm>
-      </p:grpSpPr>
-      <p:sp>
-        <p:nvSpPr>
-          <p:cNvPr id="2" name="Slide Image Placeholder 1"/>
-          <p:cNvSpPr>
-            <a:spLocks noGrp="1" noRot="1" noChangeAspect="1"/>
-          </p:cNvSpPr>
-          <p:nvPr>
-            <p:ph type="sldImg"/>
-          </p:nvPr>
-        </p:nvSpPr>
-        <p:spPr/>
-      </p:sp>
-      <p:sp>
-        <p:nvSpPr>
-          <p:cNvPr id="3" name="Notes Placeholder 2"/>
-          <p:cNvSpPr>
-            <a:spLocks noGrp="1"/>
-          </p:cNvSpPr>
-          <p:nvPr>
-            <p:ph type="body" idx="1"/>
-          </p:nvPr>
-        </p:nvSpPr>
-        <p:spPr/>
-        <p:txBody>
-          <a:bodyPr/>
-          <a:lstStyle/>
-          <a:p>
-            <a:endParaRPr lang="en-US" dirty="0"/>
-          </a:p>
-        </p:txBody>
-      </p:sp>
-      <p:sp>
-        <p:nvSpPr>
-          <p:cNvPr id="4" name="Slide Number Placeholder 3"/>
-          <p:cNvSpPr>
-            <a:spLocks noGrp="1"/>
-          </p:cNvSpPr>
-          <p:nvPr>
-            <p:ph type="sldNum" sz="quarter" idx="10"/>
-          </p:nvPr>
-        </p:nvSpPr>
-        <p:spPr/>
-        <p:txBody>
-          <a:bodyPr/>
-          <a:lstStyle/>
-          <a:p>
-            <a:fld id="{1B33FE52-1716-4BCC-A8E5-C13FCE91A286}" type="slidenum">
-              <a:rPr lang="en-US" smtClean="0"/>
-              <a:t>1</a:t>
-            </a:fld>
-            <a:endParaRPr lang="en-US"/>
-          </a:p>
-        </p:txBody>
-      </p:sp>
-    </p:spTree>
-    <p:extLst>
-      <p:ext uri="{BB962C8B-B14F-4D97-AF65-F5344CB8AC3E}">
-        <p14:creationId xmlns:p14="http://schemas.microsoft.com/office/powerpoint/2010/main" val="2743416549"/>
-      </p:ext>
-    </p:extLst>
-  </p:cSld>
-  <p:clrMapOvr>
-    <a:masterClrMapping/>
-  </p:clrMapOvr>
-</p:notes>
 </file>
 
 <file path=ppt/slideLayouts/slideLayout1.xml><?xml version="1.0" encoding="utf-8"?>
@@ -578,23 +152,19 @@
         </p:nvSpPr>
         <p:spPr>
           <a:xfrm>
-            <a:off x="3429000" y="1496484"/>
-            <a:ext cx="20574000" cy="3183467"/>
+            <a:off x="3840480" y="2840569"/>
+            <a:ext cx="43525440" cy="1960033"/>
           </a:xfrm>
         </p:spPr>
         <p:txBody>
-          <a:bodyPr anchor="b"/>
-          <a:lstStyle>
-            <a:lvl1pPr algn="ctr">
-              <a:defRPr sz="8000"/>
-            </a:lvl1pPr>
-          </a:lstStyle>
+          <a:bodyPr/>
+          <a:lstStyle/>
           <a:p>
             <a:r>
               <a:rPr lang="en-US" smtClean="0"/>
               <a:t>Click to edit Master title style</a:t>
             </a:r>
-            <a:endParaRPr lang="en-US" dirty="0"/>
+            <a:endParaRPr lang="en-US"/>
           </a:p>
         </p:txBody>
       </p:sp>
@@ -610,8 +180,8 @@
         </p:nvSpPr>
         <p:spPr>
           <a:xfrm>
-            <a:off x="3429000" y="4802717"/>
-            <a:ext cx="20574000" cy="2207683"/>
+            <a:off x="7680960" y="5181600"/>
+            <a:ext cx="35844480" cy="2336800"/>
           </a:xfrm>
         </p:spPr>
         <p:txBody>
@@ -619,39 +189,93 @@
           <a:lstStyle>
             <a:lvl1pPr marL="0" indent="0" algn="ctr">
               <a:buNone/>
-              <a:defRPr sz="3200"/>
+              <a:defRPr>
+                <a:solidFill>
+                  <a:schemeClr val="tx1">
+                    <a:tint val="75000"/>
+                  </a:schemeClr>
+                </a:solidFill>
+              </a:defRPr>
             </a:lvl1pPr>
-            <a:lvl2pPr marL="609585" indent="0" algn="ctr">
-              <a:buNone/>
-              <a:defRPr sz="2667"/>
+            <a:lvl2pPr marL="457200" indent="0" algn="ctr">
+              <a:buNone/>
+              <a:defRPr>
+                <a:solidFill>
+                  <a:schemeClr val="tx1">
+                    <a:tint val="75000"/>
+                  </a:schemeClr>
+                </a:solidFill>
+              </a:defRPr>
             </a:lvl2pPr>
-            <a:lvl3pPr marL="1219170" indent="0" algn="ctr">
-              <a:buNone/>
-              <a:defRPr sz="2400"/>
+            <a:lvl3pPr marL="914400" indent="0" algn="ctr">
+              <a:buNone/>
+              <a:defRPr>
+                <a:solidFill>
+                  <a:schemeClr val="tx1">
+                    <a:tint val="75000"/>
+                  </a:schemeClr>
+                </a:solidFill>
+              </a:defRPr>
             </a:lvl3pPr>
-            <a:lvl4pPr marL="1828754" indent="0" algn="ctr">
-              <a:buNone/>
-              <a:defRPr sz="2133"/>
+            <a:lvl4pPr marL="1371600" indent="0" algn="ctr">
+              <a:buNone/>
+              <a:defRPr>
+                <a:solidFill>
+                  <a:schemeClr val="tx1">
+                    <a:tint val="75000"/>
+                  </a:schemeClr>
+                </a:solidFill>
+              </a:defRPr>
             </a:lvl4pPr>
-            <a:lvl5pPr marL="2438339" indent="0" algn="ctr">
-              <a:buNone/>
-              <a:defRPr sz="2133"/>
+            <a:lvl5pPr marL="1828800" indent="0" algn="ctr">
+              <a:buNone/>
+              <a:defRPr>
+                <a:solidFill>
+                  <a:schemeClr val="tx1">
+                    <a:tint val="75000"/>
+                  </a:schemeClr>
+                </a:solidFill>
+              </a:defRPr>
             </a:lvl5pPr>
-            <a:lvl6pPr marL="3047924" indent="0" algn="ctr">
-              <a:buNone/>
-              <a:defRPr sz="2133"/>
+            <a:lvl6pPr marL="2286000" indent="0" algn="ctr">
+              <a:buNone/>
+              <a:defRPr>
+                <a:solidFill>
+                  <a:schemeClr val="tx1">
+                    <a:tint val="75000"/>
+                  </a:schemeClr>
+                </a:solidFill>
+              </a:defRPr>
             </a:lvl6pPr>
-            <a:lvl7pPr marL="3657509" indent="0" algn="ctr">
-              <a:buNone/>
-              <a:defRPr sz="2133"/>
+            <a:lvl7pPr marL="2743200" indent="0" algn="ctr">
+              <a:buNone/>
+              <a:defRPr>
+                <a:solidFill>
+                  <a:schemeClr val="tx1">
+                    <a:tint val="75000"/>
+                  </a:schemeClr>
+                </a:solidFill>
+              </a:defRPr>
             </a:lvl7pPr>
-            <a:lvl8pPr marL="4267093" indent="0" algn="ctr">
-              <a:buNone/>
-              <a:defRPr sz="2133"/>
+            <a:lvl8pPr marL="3200400" indent="0" algn="ctr">
+              <a:buNone/>
+              <a:defRPr>
+                <a:solidFill>
+                  <a:schemeClr val="tx1">
+                    <a:tint val="75000"/>
+                  </a:schemeClr>
+                </a:solidFill>
+              </a:defRPr>
             </a:lvl8pPr>
-            <a:lvl9pPr marL="4876678" indent="0" algn="ctr">
-              <a:buNone/>
-              <a:defRPr sz="2133"/>
+            <a:lvl9pPr marL="3657600" indent="0" algn="ctr">
+              <a:buNone/>
+              <a:defRPr>
+                <a:solidFill>
+                  <a:schemeClr val="tx1">
+                    <a:tint val="75000"/>
+                  </a:schemeClr>
+                </a:solidFill>
+              </a:defRPr>
             </a:lvl9pPr>
           </a:lstStyle>
           <a:p>
@@ -659,7 +283,7 @@
               <a:rPr lang="en-US" smtClean="0"/>
               <a:t>Click to edit Master subtitle style</a:t>
             </a:r>
-            <a:endParaRPr lang="en-US" dirty="0"/>
+            <a:endParaRPr lang="en-US"/>
           </a:p>
         </p:txBody>
       </p:sp>
@@ -678,9 +302,10 @@
           <a:bodyPr/>
           <a:lstStyle/>
           <a:p>
-            <a:fld id="{C5982FF3-AEC2-44F4-9AB6-41CB130DEE0B}" type="datetimeFigureOut">
-              <a:rPr lang="en-US" smtClean="0"/>
-              <a:t>6/16/2014</a:t>
+            <a:fld id="{1D8BD707-D9CF-40AE-B4C6-C98DA3205C09}" type="datetimeFigureOut">
+              <a:rPr lang="en-US" smtClean="0"/>
+              <a:pPr/>
+              <a:t>6/17/2014</a:t>
             </a:fld>
             <a:endParaRPr lang="en-US"/>
           </a:p>
@@ -720,8 +345,9 @@
           <a:bodyPr/>
           <a:lstStyle/>
           <a:p>
-            <a:fld id="{3FCBF118-8E8A-41EF-8E2C-5C2C96E70497}" type="slidenum">
-              <a:rPr lang="en-US" smtClean="0"/>
+            <a:fld id="{B6F15528-21DE-4FAA-801E-634DDDAF4B2B}" type="slidenum">
+              <a:rPr lang="en-US" smtClean="0"/>
+              <a:pPr/>
               <a:t>‹#›</a:t>
             </a:fld>
             <a:endParaRPr lang="en-US"/>
@@ -729,11 +355,6 @@
         </p:txBody>
       </p:sp>
     </p:spTree>
-    <p:extLst>
-      <p:ext uri="{BB962C8B-B14F-4D97-AF65-F5344CB8AC3E}">
-        <p14:creationId xmlns:p14="http://schemas.microsoft.com/office/powerpoint/2010/main" val="3528032958"/>
-      </p:ext>
-    </p:extLst>
   </p:cSld>
   <p:clrMapOvr>
     <a:masterClrMapping/>
@@ -777,7 +398,7 @@
               <a:rPr lang="en-US" smtClean="0"/>
               <a:t>Click to edit Master title style</a:t>
             </a:r>
-            <a:endParaRPr lang="en-US" dirty="0"/>
+            <a:endParaRPr lang="en-US"/>
           </a:p>
         </p:txBody>
       </p:sp>
@@ -829,7 +450,7 @@
               <a:rPr lang="en-US" smtClean="0"/>
               <a:t>Fifth level</a:t>
             </a:r>
-            <a:endParaRPr lang="en-US" dirty="0"/>
+            <a:endParaRPr lang="en-US"/>
           </a:p>
         </p:txBody>
       </p:sp>
@@ -848,9 +469,10 @@
           <a:bodyPr/>
           <a:lstStyle/>
           <a:p>
-            <a:fld id="{C5982FF3-AEC2-44F4-9AB6-41CB130DEE0B}" type="datetimeFigureOut">
-              <a:rPr lang="en-US" smtClean="0"/>
-              <a:t>6/16/2014</a:t>
+            <a:fld id="{1D8BD707-D9CF-40AE-B4C6-C98DA3205C09}" type="datetimeFigureOut">
+              <a:rPr lang="en-US" smtClean="0"/>
+              <a:pPr/>
+              <a:t>6/17/2014</a:t>
             </a:fld>
             <a:endParaRPr lang="en-US"/>
           </a:p>
@@ -890,8 +512,9 @@
           <a:bodyPr/>
           <a:lstStyle/>
           <a:p>
-            <a:fld id="{3FCBF118-8E8A-41EF-8E2C-5C2C96E70497}" type="slidenum">
-              <a:rPr lang="en-US" smtClean="0"/>
+            <a:fld id="{B6F15528-21DE-4FAA-801E-634DDDAF4B2B}" type="slidenum">
+              <a:rPr lang="en-US" smtClean="0"/>
+              <a:pPr/>
               <a:t>‹#›</a:t>
             </a:fld>
             <a:endParaRPr lang="en-US"/>
@@ -899,11 +522,6 @@
         </p:txBody>
       </p:sp>
     </p:spTree>
-    <p:extLst>
-      <p:ext uri="{BB962C8B-B14F-4D97-AF65-F5344CB8AC3E}">
-        <p14:creationId xmlns:p14="http://schemas.microsoft.com/office/powerpoint/2010/main" val="2899988277"/>
-      </p:ext>
-    </p:extLst>
   </p:cSld>
   <p:clrMapOvr>
     <a:masterClrMapping/>
@@ -940,8 +558,8 @@
         </p:nvSpPr>
         <p:spPr>
           <a:xfrm>
-            <a:off x="19631025" y="486834"/>
-            <a:ext cx="5915025" cy="7749117"/>
+            <a:off x="37124640" y="366189"/>
+            <a:ext cx="11521440" cy="7802033"/>
           </a:xfrm>
         </p:spPr>
         <p:txBody>
@@ -952,7 +570,7 @@
               <a:rPr lang="en-US" smtClean="0"/>
               <a:t>Click to edit Master title style</a:t>
             </a:r>
-            <a:endParaRPr lang="en-US" dirty="0"/>
+            <a:endParaRPr lang="en-US"/>
           </a:p>
         </p:txBody>
       </p:sp>
@@ -968,8 +586,8 @@
         </p:nvSpPr>
         <p:spPr>
           <a:xfrm>
-            <a:off x="1885950" y="486834"/>
-            <a:ext cx="17402175" cy="7749117"/>
+            <a:off x="2560320" y="366189"/>
+            <a:ext cx="33710880" cy="7802033"/>
           </a:xfrm>
         </p:spPr>
         <p:txBody>
@@ -1009,7 +627,7 @@
               <a:rPr lang="en-US" smtClean="0"/>
               <a:t>Fifth level</a:t>
             </a:r>
-            <a:endParaRPr lang="en-US" dirty="0"/>
+            <a:endParaRPr lang="en-US"/>
           </a:p>
         </p:txBody>
       </p:sp>
@@ -1028,9 +646,10 @@
           <a:bodyPr/>
           <a:lstStyle/>
           <a:p>
-            <a:fld id="{C5982FF3-AEC2-44F4-9AB6-41CB130DEE0B}" type="datetimeFigureOut">
-              <a:rPr lang="en-US" smtClean="0"/>
-              <a:t>6/16/2014</a:t>
+            <a:fld id="{1D8BD707-D9CF-40AE-B4C6-C98DA3205C09}" type="datetimeFigureOut">
+              <a:rPr lang="en-US" smtClean="0"/>
+              <a:pPr/>
+              <a:t>6/17/2014</a:t>
             </a:fld>
             <a:endParaRPr lang="en-US"/>
           </a:p>
@@ -1070,8 +689,9 @@
           <a:bodyPr/>
           <a:lstStyle/>
           <a:p>
-            <a:fld id="{3FCBF118-8E8A-41EF-8E2C-5C2C96E70497}" type="slidenum">
-              <a:rPr lang="en-US" smtClean="0"/>
+            <a:fld id="{B6F15528-21DE-4FAA-801E-634DDDAF4B2B}" type="slidenum">
+              <a:rPr lang="en-US" smtClean="0"/>
+              <a:pPr/>
               <a:t>‹#›</a:t>
             </a:fld>
             <a:endParaRPr lang="en-US"/>
@@ -1079,11 +699,6 @@
         </p:txBody>
       </p:sp>
     </p:spTree>
-    <p:extLst>
-      <p:ext uri="{BB962C8B-B14F-4D97-AF65-F5344CB8AC3E}">
-        <p14:creationId xmlns:p14="http://schemas.microsoft.com/office/powerpoint/2010/main" val="2970064257"/>
-      </p:ext>
-    </p:extLst>
   </p:cSld>
   <p:clrMapOvr>
     <a:masterClrMapping/>
@@ -1127,7 +742,7 @@
               <a:rPr lang="en-US" smtClean="0"/>
               <a:t>Click to edit Master title style</a:t>
             </a:r>
-            <a:endParaRPr lang="en-US" dirty="0"/>
+            <a:endParaRPr lang="en-US"/>
           </a:p>
         </p:txBody>
       </p:sp>
@@ -1179,7 +794,7 @@
               <a:rPr lang="en-US" smtClean="0"/>
               <a:t>Fifth level</a:t>
             </a:r>
-            <a:endParaRPr lang="en-US" dirty="0"/>
+            <a:endParaRPr lang="en-US"/>
           </a:p>
         </p:txBody>
       </p:sp>
@@ -1198,9 +813,10 @@
           <a:bodyPr/>
           <a:lstStyle/>
           <a:p>
-            <a:fld id="{C5982FF3-AEC2-44F4-9AB6-41CB130DEE0B}" type="datetimeFigureOut">
-              <a:rPr lang="en-US" smtClean="0"/>
-              <a:t>6/16/2014</a:t>
+            <a:fld id="{1D8BD707-D9CF-40AE-B4C6-C98DA3205C09}" type="datetimeFigureOut">
+              <a:rPr lang="en-US" smtClean="0"/>
+              <a:pPr/>
+              <a:t>6/17/2014</a:t>
             </a:fld>
             <a:endParaRPr lang="en-US"/>
           </a:p>
@@ -1240,8 +856,9 @@
           <a:bodyPr/>
           <a:lstStyle/>
           <a:p>
-            <a:fld id="{3FCBF118-8E8A-41EF-8E2C-5C2C96E70497}" type="slidenum">
-              <a:rPr lang="en-US" smtClean="0"/>
+            <a:fld id="{B6F15528-21DE-4FAA-801E-634DDDAF4B2B}" type="slidenum">
+              <a:rPr lang="en-US" smtClean="0"/>
+              <a:pPr/>
               <a:t>‹#›</a:t>
             </a:fld>
             <a:endParaRPr lang="en-US"/>
@@ -1249,11 +866,6 @@
         </p:txBody>
       </p:sp>
     </p:spTree>
-    <p:extLst>
-      <p:ext uri="{BB962C8B-B14F-4D97-AF65-F5344CB8AC3E}">
-        <p14:creationId xmlns:p14="http://schemas.microsoft.com/office/powerpoint/2010/main" val="1097770625"/>
-      </p:ext>
-    </p:extLst>
   </p:cSld>
   <p:clrMapOvr>
     <a:masterClrMapping/>
@@ -1290,48 +902,48 @@
         </p:nvSpPr>
         <p:spPr>
           <a:xfrm>
-            <a:off x="1871663" y="2279652"/>
-            <a:ext cx="23660100" cy="3803649"/>
+            <a:off x="4044953" y="5875867"/>
+            <a:ext cx="43525440" cy="1816100"/>
           </a:xfrm>
         </p:spPr>
         <p:txBody>
+          <a:bodyPr anchor="t"/>
+          <a:lstStyle>
+            <a:lvl1pPr algn="l">
+              <a:defRPr sz="4000" b="1" cap="all"/>
+            </a:lvl1pPr>
+          </a:lstStyle>
+          <a:p>
+            <a:r>
+              <a:rPr lang="en-US" smtClean="0"/>
+              <a:t>Click to edit Master title style</a:t>
+            </a:r>
+            <a:endParaRPr lang="en-US"/>
+          </a:p>
+        </p:txBody>
+      </p:sp>
+      <p:sp>
+        <p:nvSpPr>
+          <p:cNvPr id="3" name="Text Placeholder 2"/>
+          <p:cNvSpPr>
+            <a:spLocks noGrp="1"/>
+          </p:cNvSpPr>
+          <p:nvPr>
+            <p:ph type="body" idx="1"/>
+          </p:nvPr>
+        </p:nvSpPr>
+        <p:spPr>
+          <a:xfrm>
+            <a:off x="4044953" y="3875622"/>
+            <a:ext cx="43525440" cy="2000249"/>
+          </a:xfrm>
+        </p:spPr>
+        <p:txBody>
           <a:bodyPr anchor="b"/>
           <a:lstStyle>
-            <a:lvl1pPr>
-              <a:defRPr sz="8000"/>
-            </a:lvl1pPr>
-          </a:lstStyle>
-          <a:p>
-            <a:r>
-              <a:rPr lang="en-US" smtClean="0"/>
-              <a:t>Click to edit Master title style</a:t>
-            </a:r>
-            <a:endParaRPr lang="en-US" dirty="0"/>
-          </a:p>
-        </p:txBody>
-      </p:sp>
-      <p:sp>
-        <p:nvSpPr>
-          <p:cNvPr id="3" name="Text Placeholder 2"/>
-          <p:cNvSpPr>
-            <a:spLocks noGrp="1"/>
-          </p:cNvSpPr>
-          <p:nvPr>
-            <p:ph type="body" idx="1"/>
-          </p:nvPr>
-        </p:nvSpPr>
-        <p:spPr>
-          <a:xfrm>
-            <a:off x="1871663" y="6119285"/>
-            <a:ext cx="23660100" cy="2000249"/>
-          </a:xfrm>
-        </p:spPr>
-        <p:txBody>
-          <a:bodyPr/>
-          <a:lstStyle>
             <a:lvl1pPr marL="0" indent="0">
               <a:buNone/>
-              <a:defRPr sz="3200">
+              <a:defRPr sz="2000">
                 <a:solidFill>
                   <a:schemeClr val="tx1">
                     <a:tint val="75000"/>
@@ -1339,9 +951,9 @@
                 </a:solidFill>
               </a:defRPr>
             </a:lvl1pPr>
-            <a:lvl2pPr marL="609585" indent="0">
-              <a:buNone/>
-              <a:defRPr sz="2667">
+            <a:lvl2pPr marL="457200" indent="0">
+              <a:buNone/>
+              <a:defRPr sz="1800">
                 <a:solidFill>
                   <a:schemeClr val="tx1">
                     <a:tint val="75000"/>
@@ -1349,9 +961,9 @@
                 </a:solidFill>
               </a:defRPr>
             </a:lvl2pPr>
-            <a:lvl3pPr marL="1219170" indent="0">
-              <a:buNone/>
-              <a:defRPr sz="2400">
+            <a:lvl3pPr marL="914400" indent="0">
+              <a:buNone/>
+              <a:defRPr sz="1600">
                 <a:solidFill>
                   <a:schemeClr val="tx1">
                     <a:tint val="75000"/>
@@ -1359,9 +971,9 @@
                 </a:solidFill>
               </a:defRPr>
             </a:lvl3pPr>
-            <a:lvl4pPr marL="1828754" indent="0">
-              <a:buNone/>
-              <a:defRPr sz="2133">
+            <a:lvl4pPr marL="1371600" indent="0">
+              <a:buNone/>
+              <a:defRPr sz="1400">
                 <a:solidFill>
                   <a:schemeClr val="tx1">
                     <a:tint val="75000"/>
@@ -1369,9 +981,9 @@
                 </a:solidFill>
               </a:defRPr>
             </a:lvl4pPr>
-            <a:lvl5pPr marL="2438339" indent="0">
-              <a:buNone/>
-              <a:defRPr sz="2133">
+            <a:lvl5pPr marL="1828800" indent="0">
+              <a:buNone/>
+              <a:defRPr sz="1400">
                 <a:solidFill>
                   <a:schemeClr val="tx1">
                     <a:tint val="75000"/>
@@ -1379,9 +991,9 @@
                 </a:solidFill>
               </a:defRPr>
             </a:lvl5pPr>
-            <a:lvl6pPr marL="3047924" indent="0">
-              <a:buNone/>
-              <a:defRPr sz="2133">
+            <a:lvl6pPr marL="2286000" indent="0">
+              <a:buNone/>
+              <a:defRPr sz="1400">
                 <a:solidFill>
                   <a:schemeClr val="tx1">
                     <a:tint val="75000"/>
@@ -1389,9 +1001,9 @@
                 </a:solidFill>
               </a:defRPr>
             </a:lvl6pPr>
-            <a:lvl7pPr marL="3657509" indent="0">
-              <a:buNone/>
-              <a:defRPr sz="2133">
+            <a:lvl7pPr marL="2743200" indent="0">
+              <a:buNone/>
+              <a:defRPr sz="1400">
                 <a:solidFill>
                   <a:schemeClr val="tx1">
                     <a:tint val="75000"/>
@@ -1399,9 +1011,9 @@
                 </a:solidFill>
               </a:defRPr>
             </a:lvl7pPr>
-            <a:lvl8pPr marL="4267093" indent="0">
-              <a:buNone/>
-              <a:defRPr sz="2133">
+            <a:lvl8pPr marL="3200400" indent="0">
+              <a:buNone/>
+              <a:defRPr sz="1400">
                 <a:solidFill>
                   <a:schemeClr val="tx1">
                     <a:tint val="75000"/>
@@ -1409,9 +1021,9 @@
                 </a:solidFill>
               </a:defRPr>
             </a:lvl8pPr>
-            <a:lvl9pPr marL="4876678" indent="0">
-              <a:buNone/>
-              <a:defRPr sz="2133">
+            <a:lvl9pPr marL="3657600" indent="0">
+              <a:buNone/>
+              <a:defRPr sz="1400">
                 <a:solidFill>
                   <a:schemeClr val="tx1">
                     <a:tint val="75000"/>
@@ -1444,9 +1056,10 @@
           <a:bodyPr/>
           <a:lstStyle/>
           <a:p>
-            <a:fld id="{C5982FF3-AEC2-44F4-9AB6-41CB130DEE0B}" type="datetimeFigureOut">
-              <a:rPr lang="en-US" smtClean="0"/>
-              <a:t>6/16/2014</a:t>
+            <a:fld id="{1D8BD707-D9CF-40AE-B4C6-C98DA3205C09}" type="datetimeFigureOut">
+              <a:rPr lang="en-US" smtClean="0"/>
+              <a:pPr/>
+              <a:t>6/17/2014</a:t>
             </a:fld>
             <a:endParaRPr lang="en-US"/>
           </a:p>
@@ -1486,8 +1099,9 @@
           <a:bodyPr/>
           <a:lstStyle/>
           <a:p>
-            <a:fld id="{3FCBF118-8E8A-41EF-8E2C-5C2C96E70497}" type="slidenum">
-              <a:rPr lang="en-US" smtClean="0"/>
+            <a:fld id="{B6F15528-21DE-4FAA-801E-634DDDAF4B2B}" type="slidenum">
+              <a:rPr lang="en-US" smtClean="0"/>
+              <a:pPr/>
               <a:t>‹#›</a:t>
             </a:fld>
             <a:endParaRPr lang="en-US"/>
@@ -1495,11 +1109,6 @@
         </p:txBody>
       </p:sp>
     </p:spTree>
-    <p:extLst>
-      <p:ext uri="{BB962C8B-B14F-4D97-AF65-F5344CB8AC3E}">
-        <p14:creationId xmlns:p14="http://schemas.microsoft.com/office/powerpoint/2010/main" val="2971803168"/>
-      </p:ext>
-    </p:extLst>
   </p:cSld>
   <p:clrMapOvr>
     <a:masterClrMapping/>
@@ -1543,7 +1152,7 @@
               <a:rPr lang="en-US" smtClean="0"/>
               <a:t>Click to edit Master title style</a:t>
             </a:r>
-            <a:endParaRPr lang="en-US" dirty="0"/>
+            <a:endParaRPr lang="en-US"/>
           </a:p>
         </p:txBody>
       </p:sp>
@@ -1559,13 +1168,41 @@
         </p:nvSpPr>
         <p:spPr>
           <a:xfrm>
-            <a:off x="1885950" y="2434167"/>
-            <a:ext cx="11658600" cy="5801784"/>
+            <a:off x="2560320" y="2133605"/>
+            <a:ext cx="22616160" cy="6034617"/>
           </a:xfrm>
         </p:spPr>
         <p:txBody>
           <a:bodyPr/>
-          <a:lstStyle/>
+          <a:lstStyle>
+            <a:lvl1pPr>
+              <a:defRPr sz="2800"/>
+            </a:lvl1pPr>
+            <a:lvl2pPr>
+              <a:defRPr sz="2400"/>
+            </a:lvl2pPr>
+            <a:lvl3pPr>
+              <a:defRPr sz="2000"/>
+            </a:lvl3pPr>
+            <a:lvl4pPr>
+              <a:defRPr sz="1800"/>
+            </a:lvl4pPr>
+            <a:lvl5pPr>
+              <a:defRPr sz="1800"/>
+            </a:lvl5pPr>
+            <a:lvl6pPr>
+              <a:defRPr sz="1800"/>
+            </a:lvl6pPr>
+            <a:lvl7pPr>
+              <a:defRPr sz="1800"/>
+            </a:lvl7pPr>
+            <a:lvl8pPr>
+              <a:defRPr sz="1800"/>
+            </a:lvl8pPr>
+            <a:lvl9pPr>
+              <a:defRPr sz="1800"/>
+            </a:lvl9pPr>
+          </a:lstStyle>
           <a:p>
             <a:pPr lvl="0"/>
             <a:r>
@@ -1600,7 +1237,7 @@
               <a:rPr lang="en-US" smtClean="0"/>
               <a:t>Fifth level</a:t>
             </a:r>
-            <a:endParaRPr lang="en-US" dirty="0"/>
+            <a:endParaRPr lang="en-US"/>
           </a:p>
         </p:txBody>
       </p:sp>
@@ -1616,13 +1253,41 @@
         </p:nvSpPr>
         <p:spPr>
           <a:xfrm>
-            <a:off x="13887450" y="2434167"/>
-            <a:ext cx="11658600" cy="5801784"/>
+            <a:off x="26029920" y="2133605"/>
+            <a:ext cx="22616160" cy="6034617"/>
           </a:xfrm>
         </p:spPr>
         <p:txBody>
           <a:bodyPr/>
-          <a:lstStyle/>
+          <a:lstStyle>
+            <a:lvl1pPr>
+              <a:defRPr sz="2800"/>
+            </a:lvl1pPr>
+            <a:lvl2pPr>
+              <a:defRPr sz="2400"/>
+            </a:lvl2pPr>
+            <a:lvl3pPr>
+              <a:defRPr sz="2000"/>
+            </a:lvl3pPr>
+            <a:lvl4pPr>
+              <a:defRPr sz="1800"/>
+            </a:lvl4pPr>
+            <a:lvl5pPr>
+              <a:defRPr sz="1800"/>
+            </a:lvl5pPr>
+            <a:lvl6pPr>
+              <a:defRPr sz="1800"/>
+            </a:lvl6pPr>
+            <a:lvl7pPr>
+              <a:defRPr sz="1800"/>
+            </a:lvl7pPr>
+            <a:lvl8pPr>
+              <a:defRPr sz="1800"/>
+            </a:lvl8pPr>
+            <a:lvl9pPr>
+              <a:defRPr sz="1800"/>
+            </a:lvl9pPr>
+          </a:lstStyle>
           <a:p>
             <a:pPr lvl="0"/>
             <a:r>
@@ -1657,7 +1322,7 @@
               <a:rPr lang="en-US" smtClean="0"/>
               <a:t>Fifth level</a:t>
             </a:r>
-            <a:endParaRPr lang="en-US" dirty="0"/>
+            <a:endParaRPr lang="en-US"/>
           </a:p>
         </p:txBody>
       </p:sp>
@@ -1676,9 +1341,10 @@
           <a:bodyPr/>
           <a:lstStyle/>
           <a:p>
-            <a:fld id="{C5982FF3-AEC2-44F4-9AB6-41CB130DEE0B}" type="datetimeFigureOut">
-              <a:rPr lang="en-US" smtClean="0"/>
-              <a:t>6/16/2014</a:t>
+            <a:fld id="{1D8BD707-D9CF-40AE-B4C6-C98DA3205C09}" type="datetimeFigureOut">
+              <a:rPr lang="en-US" smtClean="0"/>
+              <a:pPr/>
+              <a:t>6/17/2014</a:t>
             </a:fld>
             <a:endParaRPr lang="en-US"/>
           </a:p>
@@ -1718,8 +1384,9 @@
           <a:bodyPr/>
           <a:lstStyle/>
           <a:p>
-            <a:fld id="{3FCBF118-8E8A-41EF-8E2C-5C2C96E70497}" type="slidenum">
-              <a:rPr lang="en-US" smtClean="0"/>
+            <a:fld id="{B6F15528-21DE-4FAA-801E-634DDDAF4B2B}" type="slidenum">
+              <a:rPr lang="en-US" smtClean="0"/>
+              <a:pPr/>
               <a:t>‹#›</a:t>
             </a:fld>
             <a:endParaRPr lang="en-US"/>
@@ -1727,11 +1394,6 @@
         </p:txBody>
       </p:sp>
     </p:spTree>
-    <p:extLst>
-      <p:ext uri="{BB962C8B-B14F-4D97-AF65-F5344CB8AC3E}">
-        <p14:creationId xmlns:p14="http://schemas.microsoft.com/office/powerpoint/2010/main" val="4190560498"/>
-      </p:ext>
-    </p:extLst>
   </p:cSld>
   <p:clrMapOvr>
     <a:masterClrMapping/>
@@ -1766,38 +1428,37 @@
             <p:ph type="title"/>
           </p:nvPr>
         </p:nvSpPr>
+        <p:spPr/>
+        <p:txBody>
+          <a:bodyPr/>
+          <a:lstStyle>
+            <a:lvl1pPr>
+              <a:defRPr/>
+            </a:lvl1pPr>
+          </a:lstStyle>
+          <a:p>
+            <a:r>
+              <a:rPr lang="en-US" smtClean="0"/>
+              <a:t>Click to edit Master title style</a:t>
+            </a:r>
+            <a:endParaRPr lang="en-US"/>
+          </a:p>
+        </p:txBody>
+      </p:sp>
+      <p:sp>
+        <p:nvSpPr>
+          <p:cNvPr id="3" name="Text Placeholder 2"/>
+          <p:cNvSpPr>
+            <a:spLocks noGrp="1"/>
+          </p:cNvSpPr>
+          <p:nvPr>
+            <p:ph type="body" idx="1"/>
+          </p:nvPr>
+        </p:nvSpPr>
         <p:spPr>
           <a:xfrm>
-            <a:off x="1889523" y="486834"/>
-            <a:ext cx="23660100" cy="1767417"/>
-          </a:xfrm>
-        </p:spPr>
-        <p:txBody>
-          <a:bodyPr/>
-          <a:lstStyle/>
-          <a:p>
-            <a:r>
-              <a:rPr lang="en-US" smtClean="0"/>
-              <a:t>Click to edit Master title style</a:t>
-            </a:r>
-            <a:endParaRPr lang="en-US" dirty="0"/>
-          </a:p>
-        </p:txBody>
-      </p:sp>
-      <p:sp>
-        <p:nvSpPr>
-          <p:cNvPr id="3" name="Text Placeholder 2"/>
-          <p:cNvSpPr>
-            <a:spLocks noGrp="1"/>
-          </p:cNvSpPr>
-          <p:nvPr>
-            <p:ph type="body" idx="1"/>
-          </p:nvPr>
-        </p:nvSpPr>
-        <p:spPr>
-          <a:xfrm>
-            <a:off x="1889524" y="2241551"/>
-            <a:ext cx="11605021" cy="1098549"/>
+            <a:off x="2560320" y="2046817"/>
+            <a:ext cx="22625053" cy="853016"/>
           </a:xfrm>
         </p:spPr>
         <p:txBody>
@@ -1805,39 +1466,39 @@
           <a:lstStyle>
             <a:lvl1pPr marL="0" indent="0">
               <a:buNone/>
-              <a:defRPr sz="3200" b="1"/>
+              <a:defRPr sz="2400" b="1"/>
             </a:lvl1pPr>
-            <a:lvl2pPr marL="609585" indent="0">
-              <a:buNone/>
-              <a:defRPr sz="2667" b="1"/>
+            <a:lvl2pPr marL="457200" indent="0">
+              <a:buNone/>
+              <a:defRPr sz="2000" b="1"/>
             </a:lvl2pPr>
-            <a:lvl3pPr marL="1219170" indent="0">
-              <a:buNone/>
-              <a:defRPr sz="2400" b="1"/>
+            <a:lvl3pPr marL="914400" indent="0">
+              <a:buNone/>
+              <a:defRPr sz="1800" b="1"/>
             </a:lvl3pPr>
-            <a:lvl4pPr marL="1828754" indent="0">
-              <a:buNone/>
-              <a:defRPr sz="2133" b="1"/>
+            <a:lvl4pPr marL="1371600" indent="0">
+              <a:buNone/>
+              <a:defRPr sz="1600" b="1"/>
             </a:lvl4pPr>
-            <a:lvl5pPr marL="2438339" indent="0">
-              <a:buNone/>
-              <a:defRPr sz="2133" b="1"/>
+            <a:lvl5pPr marL="1828800" indent="0">
+              <a:buNone/>
+              <a:defRPr sz="1600" b="1"/>
             </a:lvl5pPr>
-            <a:lvl6pPr marL="3047924" indent="0">
-              <a:buNone/>
-              <a:defRPr sz="2133" b="1"/>
+            <a:lvl6pPr marL="2286000" indent="0">
+              <a:buNone/>
+              <a:defRPr sz="1600" b="1"/>
             </a:lvl6pPr>
-            <a:lvl7pPr marL="3657509" indent="0">
-              <a:buNone/>
-              <a:defRPr sz="2133" b="1"/>
+            <a:lvl7pPr marL="2743200" indent="0">
+              <a:buNone/>
+              <a:defRPr sz="1600" b="1"/>
             </a:lvl7pPr>
-            <a:lvl8pPr marL="4267093" indent="0">
-              <a:buNone/>
-              <a:defRPr sz="2133" b="1"/>
+            <a:lvl8pPr marL="3200400" indent="0">
+              <a:buNone/>
+              <a:defRPr sz="1600" b="1"/>
             </a:lvl8pPr>
-            <a:lvl9pPr marL="4876678" indent="0">
-              <a:buNone/>
-              <a:defRPr sz="2133" b="1"/>
+            <a:lvl9pPr marL="3657600" indent="0">
+              <a:buNone/>
+              <a:defRPr sz="1600" b="1"/>
             </a:lvl9pPr>
           </a:lstStyle>
           <a:p>
@@ -1861,13 +1522,41 @@
         </p:nvSpPr>
         <p:spPr>
           <a:xfrm>
-            <a:off x="1889524" y="3340100"/>
-            <a:ext cx="11605021" cy="4912784"/>
+            <a:off x="2560320" y="2899833"/>
+            <a:ext cx="22625053" cy="5268384"/>
           </a:xfrm>
         </p:spPr>
         <p:txBody>
           <a:bodyPr/>
-          <a:lstStyle/>
+          <a:lstStyle>
+            <a:lvl1pPr>
+              <a:defRPr sz="2400"/>
+            </a:lvl1pPr>
+            <a:lvl2pPr>
+              <a:defRPr sz="2000"/>
+            </a:lvl2pPr>
+            <a:lvl3pPr>
+              <a:defRPr sz="1800"/>
+            </a:lvl3pPr>
+            <a:lvl4pPr>
+              <a:defRPr sz="1600"/>
+            </a:lvl4pPr>
+            <a:lvl5pPr>
+              <a:defRPr sz="1600"/>
+            </a:lvl5pPr>
+            <a:lvl6pPr>
+              <a:defRPr sz="1600"/>
+            </a:lvl6pPr>
+            <a:lvl7pPr>
+              <a:defRPr sz="1600"/>
+            </a:lvl7pPr>
+            <a:lvl8pPr>
+              <a:defRPr sz="1600"/>
+            </a:lvl8pPr>
+            <a:lvl9pPr>
+              <a:defRPr sz="1600"/>
+            </a:lvl9pPr>
+          </a:lstStyle>
           <a:p>
             <a:pPr lvl="0"/>
             <a:r>
@@ -1902,7 +1591,7 @@
               <a:rPr lang="en-US" smtClean="0"/>
               <a:t>Fifth level</a:t>
             </a:r>
-            <a:endParaRPr lang="en-US" dirty="0"/>
+            <a:endParaRPr lang="en-US"/>
           </a:p>
         </p:txBody>
       </p:sp>
@@ -1918,8 +1607,8 @@
         </p:nvSpPr>
         <p:spPr>
           <a:xfrm>
-            <a:off x="13887450" y="2241551"/>
-            <a:ext cx="11662173" cy="1098549"/>
+            <a:off x="26012152" y="2046817"/>
+            <a:ext cx="22633940" cy="853016"/>
           </a:xfrm>
         </p:spPr>
         <p:txBody>
@@ -1927,39 +1616,39 @@
           <a:lstStyle>
             <a:lvl1pPr marL="0" indent="0">
               <a:buNone/>
-              <a:defRPr sz="3200" b="1"/>
+              <a:defRPr sz="2400" b="1"/>
             </a:lvl1pPr>
-            <a:lvl2pPr marL="609585" indent="0">
-              <a:buNone/>
-              <a:defRPr sz="2667" b="1"/>
+            <a:lvl2pPr marL="457200" indent="0">
+              <a:buNone/>
+              <a:defRPr sz="2000" b="1"/>
             </a:lvl2pPr>
-            <a:lvl3pPr marL="1219170" indent="0">
-              <a:buNone/>
-              <a:defRPr sz="2400" b="1"/>
+            <a:lvl3pPr marL="914400" indent="0">
+              <a:buNone/>
+              <a:defRPr sz="1800" b="1"/>
             </a:lvl3pPr>
-            <a:lvl4pPr marL="1828754" indent="0">
-              <a:buNone/>
-              <a:defRPr sz="2133" b="1"/>
+            <a:lvl4pPr marL="1371600" indent="0">
+              <a:buNone/>
+              <a:defRPr sz="1600" b="1"/>
             </a:lvl4pPr>
-            <a:lvl5pPr marL="2438339" indent="0">
-              <a:buNone/>
-              <a:defRPr sz="2133" b="1"/>
+            <a:lvl5pPr marL="1828800" indent="0">
+              <a:buNone/>
+              <a:defRPr sz="1600" b="1"/>
             </a:lvl5pPr>
-            <a:lvl6pPr marL="3047924" indent="0">
-              <a:buNone/>
-              <a:defRPr sz="2133" b="1"/>
+            <a:lvl6pPr marL="2286000" indent="0">
+              <a:buNone/>
+              <a:defRPr sz="1600" b="1"/>
             </a:lvl6pPr>
-            <a:lvl7pPr marL="3657509" indent="0">
-              <a:buNone/>
-              <a:defRPr sz="2133" b="1"/>
+            <a:lvl7pPr marL="2743200" indent="0">
+              <a:buNone/>
+              <a:defRPr sz="1600" b="1"/>
             </a:lvl7pPr>
-            <a:lvl8pPr marL="4267093" indent="0">
-              <a:buNone/>
-              <a:defRPr sz="2133" b="1"/>
+            <a:lvl8pPr marL="3200400" indent="0">
+              <a:buNone/>
+              <a:defRPr sz="1600" b="1"/>
             </a:lvl8pPr>
-            <a:lvl9pPr marL="4876678" indent="0">
-              <a:buNone/>
-              <a:defRPr sz="2133" b="1"/>
+            <a:lvl9pPr marL="3657600" indent="0">
+              <a:buNone/>
+              <a:defRPr sz="1600" b="1"/>
             </a:lvl9pPr>
           </a:lstStyle>
           <a:p>
@@ -1983,13 +1672,41 @@
         </p:nvSpPr>
         <p:spPr>
           <a:xfrm>
-            <a:off x="13887450" y="3340100"/>
-            <a:ext cx="11662173" cy="4912784"/>
+            <a:off x="26012152" y="2899833"/>
+            <a:ext cx="22633940" cy="5268384"/>
           </a:xfrm>
         </p:spPr>
         <p:txBody>
           <a:bodyPr/>
-          <a:lstStyle/>
+          <a:lstStyle>
+            <a:lvl1pPr>
+              <a:defRPr sz="2400"/>
+            </a:lvl1pPr>
+            <a:lvl2pPr>
+              <a:defRPr sz="2000"/>
+            </a:lvl2pPr>
+            <a:lvl3pPr>
+              <a:defRPr sz="1800"/>
+            </a:lvl3pPr>
+            <a:lvl4pPr>
+              <a:defRPr sz="1600"/>
+            </a:lvl4pPr>
+            <a:lvl5pPr>
+              <a:defRPr sz="1600"/>
+            </a:lvl5pPr>
+            <a:lvl6pPr>
+              <a:defRPr sz="1600"/>
+            </a:lvl6pPr>
+            <a:lvl7pPr>
+              <a:defRPr sz="1600"/>
+            </a:lvl7pPr>
+            <a:lvl8pPr>
+              <a:defRPr sz="1600"/>
+            </a:lvl8pPr>
+            <a:lvl9pPr>
+              <a:defRPr sz="1600"/>
+            </a:lvl9pPr>
+          </a:lstStyle>
           <a:p>
             <a:pPr lvl="0"/>
             <a:r>
@@ -2024,7 +1741,7 @@
               <a:rPr lang="en-US" smtClean="0"/>
               <a:t>Fifth level</a:t>
             </a:r>
-            <a:endParaRPr lang="en-US" dirty="0"/>
+            <a:endParaRPr lang="en-US"/>
           </a:p>
         </p:txBody>
       </p:sp>
@@ -2043,9 +1760,10 @@
           <a:bodyPr/>
           <a:lstStyle/>
           <a:p>
-            <a:fld id="{C5982FF3-AEC2-44F4-9AB6-41CB130DEE0B}" type="datetimeFigureOut">
-              <a:rPr lang="en-US" smtClean="0"/>
-              <a:t>6/16/2014</a:t>
+            <a:fld id="{1D8BD707-D9CF-40AE-B4C6-C98DA3205C09}" type="datetimeFigureOut">
+              <a:rPr lang="en-US" smtClean="0"/>
+              <a:pPr/>
+              <a:t>6/17/2014</a:t>
             </a:fld>
             <a:endParaRPr lang="en-US"/>
           </a:p>
@@ -2085,8 +1803,9 @@
           <a:bodyPr/>
           <a:lstStyle/>
           <a:p>
-            <a:fld id="{3FCBF118-8E8A-41EF-8E2C-5C2C96E70497}" type="slidenum">
-              <a:rPr lang="en-US" smtClean="0"/>
+            <a:fld id="{B6F15528-21DE-4FAA-801E-634DDDAF4B2B}" type="slidenum">
+              <a:rPr lang="en-US" smtClean="0"/>
+              <a:pPr/>
               <a:t>‹#›</a:t>
             </a:fld>
             <a:endParaRPr lang="en-US"/>
@@ -2094,11 +1813,6 @@
         </p:txBody>
       </p:sp>
     </p:spTree>
-    <p:extLst>
-      <p:ext uri="{BB962C8B-B14F-4D97-AF65-F5344CB8AC3E}">
-        <p14:creationId xmlns:p14="http://schemas.microsoft.com/office/powerpoint/2010/main" val="525203774"/>
-      </p:ext>
-    </p:extLst>
   </p:cSld>
   <p:clrMapOvr>
     <a:masterClrMapping/>
@@ -2142,7 +1856,7 @@
               <a:rPr lang="en-US" smtClean="0"/>
               <a:t>Click to edit Master title style</a:t>
             </a:r>
-            <a:endParaRPr lang="en-US" dirty="0"/>
+            <a:endParaRPr lang="en-US"/>
           </a:p>
         </p:txBody>
       </p:sp>
@@ -2161,9 +1875,10 @@
           <a:bodyPr/>
           <a:lstStyle/>
           <a:p>
-            <a:fld id="{C5982FF3-AEC2-44F4-9AB6-41CB130DEE0B}" type="datetimeFigureOut">
-              <a:rPr lang="en-US" smtClean="0"/>
-              <a:t>6/16/2014</a:t>
+            <a:fld id="{1D8BD707-D9CF-40AE-B4C6-C98DA3205C09}" type="datetimeFigureOut">
+              <a:rPr lang="en-US" smtClean="0"/>
+              <a:pPr/>
+              <a:t>6/17/2014</a:t>
             </a:fld>
             <a:endParaRPr lang="en-US"/>
           </a:p>
@@ -2203,8 +1918,9 @@
           <a:bodyPr/>
           <a:lstStyle/>
           <a:p>
-            <a:fld id="{3FCBF118-8E8A-41EF-8E2C-5C2C96E70497}" type="slidenum">
-              <a:rPr lang="en-US" smtClean="0"/>
+            <a:fld id="{B6F15528-21DE-4FAA-801E-634DDDAF4B2B}" type="slidenum">
+              <a:rPr lang="en-US" smtClean="0"/>
+              <a:pPr/>
               <a:t>‹#›</a:t>
             </a:fld>
             <a:endParaRPr lang="en-US"/>
@@ -2212,11 +1928,6 @@
         </p:txBody>
       </p:sp>
     </p:spTree>
-    <p:extLst>
-      <p:ext uri="{BB962C8B-B14F-4D97-AF65-F5344CB8AC3E}">
-        <p14:creationId xmlns:p14="http://schemas.microsoft.com/office/powerpoint/2010/main" val="603141620"/>
-      </p:ext>
-    </p:extLst>
   </p:cSld>
   <p:clrMapOvr>
     <a:masterClrMapping/>
@@ -2256,9 +1967,10 @@
           <a:bodyPr/>
           <a:lstStyle/>
           <a:p>
-            <a:fld id="{C5982FF3-AEC2-44F4-9AB6-41CB130DEE0B}" type="datetimeFigureOut">
-              <a:rPr lang="en-US" smtClean="0"/>
-              <a:t>6/16/2014</a:t>
+            <a:fld id="{1D8BD707-D9CF-40AE-B4C6-C98DA3205C09}" type="datetimeFigureOut">
+              <a:rPr lang="en-US" smtClean="0"/>
+              <a:pPr/>
+              <a:t>6/17/2014</a:t>
             </a:fld>
             <a:endParaRPr lang="en-US"/>
           </a:p>
@@ -2298,8 +2010,9 @@
           <a:bodyPr/>
           <a:lstStyle/>
           <a:p>
-            <a:fld id="{3FCBF118-8E8A-41EF-8E2C-5C2C96E70497}" type="slidenum">
-              <a:rPr lang="en-US" smtClean="0"/>
+            <a:fld id="{B6F15528-21DE-4FAA-801E-634DDDAF4B2B}" type="slidenum">
+              <a:rPr lang="en-US" smtClean="0"/>
+              <a:pPr/>
               <a:t>‹#›</a:t>
             </a:fld>
             <a:endParaRPr lang="en-US"/>
@@ -2307,11 +2020,6 @@
         </p:txBody>
       </p:sp>
     </p:spTree>
-    <p:extLst>
-      <p:ext uri="{BB962C8B-B14F-4D97-AF65-F5344CB8AC3E}">
-        <p14:creationId xmlns:p14="http://schemas.microsoft.com/office/powerpoint/2010/main" val="1750599739"/>
-      </p:ext>
-    </p:extLst>
   </p:cSld>
   <p:clrMapOvr>
     <a:masterClrMapping/>
@@ -2348,15 +2056,15 @@
         </p:nvSpPr>
         <p:spPr>
           <a:xfrm>
-            <a:off x="1889524" y="609600"/>
-            <a:ext cx="8847533" cy="2133600"/>
+            <a:off x="2560332" y="364067"/>
+            <a:ext cx="16846553" cy="1549400"/>
           </a:xfrm>
         </p:spPr>
         <p:txBody>
           <a:bodyPr anchor="b"/>
           <a:lstStyle>
-            <a:lvl1pPr>
-              <a:defRPr sz="4267"/>
+            <a:lvl1pPr algn="l">
+              <a:defRPr sz="2000" b="1"/>
             </a:lvl1pPr>
           </a:lstStyle>
           <a:p>
@@ -2364,7 +2072,7 @@
               <a:rPr lang="en-US" smtClean="0"/>
               <a:t>Click to edit Master title style</a:t>
             </a:r>
-            <a:endParaRPr lang="en-US" dirty="0"/>
+            <a:endParaRPr lang="en-US"/>
           </a:p>
         </p:txBody>
       </p:sp>
@@ -2380,39 +2088,39 @@
         </p:nvSpPr>
         <p:spPr>
           <a:xfrm>
-            <a:off x="11662173" y="1316567"/>
-            <a:ext cx="13887450" cy="6498167"/>
+            <a:off x="20020280" y="364071"/>
+            <a:ext cx="28625800" cy="7804151"/>
           </a:xfrm>
         </p:spPr>
         <p:txBody>
           <a:bodyPr/>
           <a:lstStyle>
             <a:lvl1pPr>
-              <a:defRPr sz="4267"/>
+              <a:defRPr sz="3200"/>
             </a:lvl1pPr>
             <a:lvl2pPr>
-              <a:defRPr sz="3733"/>
+              <a:defRPr sz="2800"/>
             </a:lvl2pPr>
             <a:lvl3pPr>
-              <a:defRPr sz="3200"/>
+              <a:defRPr sz="2400"/>
             </a:lvl3pPr>
             <a:lvl4pPr>
-              <a:defRPr sz="2667"/>
+              <a:defRPr sz="2000"/>
             </a:lvl4pPr>
             <a:lvl5pPr>
-              <a:defRPr sz="2667"/>
+              <a:defRPr sz="2000"/>
             </a:lvl5pPr>
             <a:lvl6pPr>
-              <a:defRPr sz="2667"/>
+              <a:defRPr sz="2000"/>
             </a:lvl6pPr>
             <a:lvl7pPr>
-              <a:defRPr sz="2667"/>
+              <a:defRPr sz="2000"/>
             </a:lvl7pPr>
             <a:lvl8pPr>
-              <a:defRPr sz="2667"/>
+              <a:defRPr sz="2000"/>
             </a:lvl8pPr>
             <a:lvl9pPr>
-              <a:defRPr sz="2667"/>
+              <a:defRPr sz="2000"/>
             </a:lvl9pPr>
           </a:lstStyle>
           <a:p>
@@ -2449,7 +2157,7 @@
               <a:rPr lang="en-US" smtClean="0"/>
               <a:t>Fifth level</a:t>
             </a:r>
-            <a:endParaRPr lang="en-US" dirty="0"/>
+            <a:endParaRPr lang="en-US"/>
           </a:p>
         </p:txBody>
       </p:sp>
@@ -2465,8 +2173,8 @@
         </p:nvSpPr>
         <p:spPr>
           <a:xfrm>
-            <a:off x="1889524" y="2743200"/>
-            <a:ext cx="8847533" cy="5082117"/>
+            <a:off x="2560332" y="1913471"/>
+            <a:ext cx="16846553" cy="6254751"/>
           </a:xfrm>
         </p:spPr>
         <p:txBody>
@@ -2474,39 +2182,39 @@
           <a:lstStyle>
             <a:lvl1pPr marL="0" indent="0">
               <a:buNone/>
-              <a:defRPr sz="2133"/>
+              <a:defRPr sz="1400"/>
             </a:lvl1pPr>
-            <a:lvl2pPr marL="609585" indent="0">
-              <a:buNone/>
-              <a:defRPr sz="1867"/>
+            <a:lvl2pPr marL="457200" indent="0">
+              <a:buNone/>
+              <a:defRPr sz="1200"/>
             </a:lvl2pPr>
-            <a:lvl3pPr marL="1219170" indent="0">
-              <a:buNone/>
-              <a:defRPr sz="1600"/>
+            <a:lvl3pPr marL="914400" indent="0">
+              <a:buNone/>
+              <a:defRPr sz="1000"/>
             </a:lvl3pPr>
-            <a:lvl4pPr marL="1828754" indent="0">
-              <a:buNone/>
-              <a:defRPr sz="1333"/>
+            <a:lvl4pPr marL="1371600" indent="0">
+              <a:buNone/>
+              <a:defRPr sz="900"/>
             </a:lvl4pPr>
-            <a:lvl5pPr marL="2438339" indent="0">
-              <a:buNone/>
-              <a:defRPr sz="1333"/>
+            <a:lvl5pPr marL="1828800" indent="0">
+              <a:buNone/>
+              <a:defRPr sz="900"/>
             </a:lvl5pPr>
-            <a:lvl6pPr marL="3047924" indent="0">
-              <a:buNone/>
-              <a:defRPr sz="1333"/>
+            <a:lvl6pPr marL="2286000" indent="0">
+              <a:buNone/>
+              <a:defRPr sz="900"/>
             </a:lvl6pPr>
-            <a:lvl7pPr marL="3657509" indent="0">
-              <a:buNone/>
-              <a:defRPr sz="1333"/>
+            <a:lvl7pPr marL="2743200" indent="0">
+              <a:buNone/>
+              <a:defRPr sz="900"/>
             </a:lvl7pPr>
-            <a:lvl8pPr marL="4267093" indent="0">
-              <a:buNone/>
-              <a:defRPr sz="1333"/>
+            <a:lvl8pPr marL="3200400" indent="0">
+              <a:buNone/>
+              <a:defRPr sz="900"/>
             </a:lvl8pPr>
-            <a:lvl9pPr marL="4876678" indent="0">
-              <a:buNone/>
-              <a:defRPr sz="1333"/>
+            <a:lvl9pPr marL="3657600" indent="0">
+              <a:buNone/>
+              <a:defRPr sz="900"/>
             </a:lvl9pPr>
           </a:lstStyle>
           <a:p>
@@ -2533,9 +2241,10 @@
           <a:bodyPr/>
           <a:lstStyle/>
           <a:p>
-            <a:fld id="{C5982FF3-AEC2-44F4-9AB6-41CB130DEE0B}" type="datetimeFigureOut">
-              <a:rPr lang="en-US" smtClean="0"/>
-              <a:t>6/16/2014</a:t>
+            <a:fld id="{1D8BD707-D9CF-40AE-B4C6-C98DA3205C09}" type="datetimeFigureOut">
+              <a:rPr lang="en-US" smtClean="0"/>
+              <a:pPr/>
+              <a:t>6/17/2014</a:t>
             </a:fld>
             <a:endParaRPr lang="en-US"/>
           </a:p>
@@ -2575,8 +2284,9 @@
           <a:bodyPr/>
           <a:lstStyle/>
           <a:p>
-            <a:fld id="{3FCBF118-8E8A-41EF-8E2C-5C2C96E70497}" type="slidenum">
-              <a:rPr lang="en-US" smtClean="0"/>
+            <a:fld id="{B6F15528-21DE-4FAA-801E-634DDDAF4B2B}" type="slidenum">
+              <a:rPr lang="en-US" smtClean="0"/>
+              <a:pPr/>
               <a:t>‹#›</a:t>
             </a:fld>
             <a:endParaRPr lang="en-US"/>
@@ -2584,11 +2294,6 @@
         </p:txBody>
       </p:sp>
     </p:spTree>
-    <p:extLst>
-      <p:ext uri="{BB962C8B-B14F-4D97-AF65-F5344CB8AC3E}">
-        <p14:creationId xmlns:p14="http://schemas.microsoft.com/office/powerpoint/2010/main" val="4291083183"/>
-      </p:ext>
-    </p:extLst>
   </p:cSld>
   <p:clrMapOvr>
     <a:masterClrMapping/>
@@ -2625,15 +2330,15 @@
         </p:nvSpPr>
         <p:spPr>
           <a:xfrm>
-            <a:off x="1889524" y="609600"/>
-            <a:ext cx="8847533" cy="2133600"/>
+            <a:off x="10036813" y="6400804"/>
+            <a:ext cx="30723840" cy="755651"/>
           </a:xfrm>
         </p:spPr>
         <p:txBody>
           <a:bodyPr anchor="b"/>
           <a:lstStyle>
-            <a:lvl1pPr>
-              <a:defRPr sz="4267"/>
+            <a:lvl1pPr algn="l">
+              <a:defRPr sz="2000" b="1"/>
             </a:lvl1pPr>
           </a:lstStyle>
           <a:p>
@@ -2641,7 +2346,7 @@
               <a:rPr lang="en-US" smtClean="0"/>
               <a:t>Click to edit Master title style</a:t>
             </a:r>
-            <a:endParaRPr lang="en-US" dirty="0"/>
+            <a:endParaRPr lang="en-US"/>
           </a:p>
         </p:txBody>
       </p:sp>
@@ -2649,7 +2354,7 @@
         <p:nvSpPr>
           <p:cNvPr id="3" name="Picture Placeholder 2"/>
           <p:cNvSpPr>
-            <a:spLocks noGrp="1" noChangeAspect="1"/>
+            <a:spLocks noGrp="1"/>
           </p:cNvSpPr>
           <p:nvPr>
             <p:ph type="pic" idx="1"/>
@@ -2657,56 +2362,52 @@
         </p:nvSpPr>
         <p:spPr>
           <a:xfrm>
-            <a:off x="11662173" y="1316567"/>
-            <a:ext cx="13887450" cy="6498167"/>
+            <a:off x="10036813" y="817033"/>
+            <a:ext cx="30723840" cy="5486400"/>
           </a:xfrm>
         </p:spPr>
         <p:txBody>
-          <a:bodyPr anchor="t"/>
+          <a:bodyPr/>
           <a:lstStyle>
             <a:lvl1pPr marL="0" indent="0">
               <a:buNone/>
-              <a:defRPr sz="4267"/>
+              <a:defRPr sz="3200"/>
             </a:lvl1pPr>
-            <a:lvl2pPr marL="609585" indent="0">
-              <a:buNone/>
-              <a:defRPr sz="3733"/>
+            <a:lvl2pPr marL="457200" indent="0">
+              <a:buNone/>
+              <a:defRPr sz="2800"/>
             </a:lvl2pPr>
-            <a:lvl3pPr marL="1219170" indent="0">
-              <a:buNone/>
-              <a:defRPr sz="3200"/>
+            <a:lvl3pPr marL="914400" indent="0">
+              <a:buNone/>
+              <a:defRPr sz="2400"/>
             </a:lvl3pPr>
-            <a:lvl4pPr marL="1828754" indent="0">
-              <a:buNone/>
-              <a:defRPr sz="2667"/>
+            <a:lvl4pPr marL="1371600" indent="0">
+              <a:buNone/>
+              <a:defRPr sz="2000"/>
             </a:lvl4pPr>
-            <a:lvl5pPr marL="2438339" indent="0">
-              <a:buNone/>
-              <a:defRPr sz="2667"/>
+            <a:lvl5pPr marL="1828800" indent="0">
+              <a:buNone/>
+              <a:defRPr sz="2000"/>
             </a:lvl5pPr>
-            <a:lvl6pPr marL="3047924" indent="0">
-              <a:buNone/>
-              <a:defRPr sz="2667"/>
+            <a:lvl6pPr marL="2286000" indent="0">
+              <a:buNone/>
+              <a:defRPr sz="2000"/>
             </a:lvl6pPr>
-            <a:lvl7pPr marL="3657509" indent="0">
-              <a:buNone/>
-              <a:defRPr sz="2667"/>
+            <a:lvl7pPr marL="2743200" indent="0">
+              <a:buNone/>
+              <a:defRPr sz="2000"/>
             </a:lvl7pPr>
-            <a:lvl8pPr marL="4267093" indent="0">
-              <a:buNone/>
-              <a:defRPr sz="2667"/>
+            <a:lvl8pPr marL="3200400" indent="0">
+              <a:buNone/>
+              <a:defRPr sz="2000"/>
             </a:lvl8pPr>
-            <a:lvl9pPr marL="4876678" indent="0">
-              <a:buNone/>
-              <a:defRPr sz="2667"/>
+            <a:lvl9pPr marL="3657600" indent="0">
+              <a:buNone/>
+              <a:defRPr sz="2000"/>
             </a:lvl9pPr>
           </a:lstStyle>
           <a:p>
-            <a:r>
-              <a:rPr lang="en-US" smtClean="0"/>
-              <a:t>Click icon to add picture</a:t>
-            </a:r>
-            <a:endParaRPr lang="en-US" dirty="0"/>
+            <a:endParaRPr lang="en-US"/>
           </a:p>
         </p:txBody>
       </p:sp>
@@ -2722,8 +2423,8 @@
         </p:nvSpPr>
         <p:spPr>
           <a:xfrm>
-            <a:off x="1889524" y="2743200"/>
-            <a:ext cx="8847533" cy="5082117"/>
+            <a:off x="10036813" y="7156455"/>
+            <a:ext cx="30723840" cy="1073149"/>
           </a:xfrm>
         </p:spPr>
         <p:txBody>
@@ -2731,39 +2432,39 @@
           <a:lstStyle>
             <a:lvl1pPr marL="0" indent="0">
               <a:buNone/>
-              <a:defRPr sz="2133"/>
+              <a:defRPr sz="1400"/>
             </a:lvl1pPr>
-            <a:lvl2pPr marL="609585" indent="0">
-              <a:buNone/>
-              <a:defRPr sz="1867"/>
+            <a:lvl2pPr marL="457200" indent="0">
+              <a:buNone/>
+              <a:defRPr sz="1200"/>
             </a:lvl2pPr>
-            <a:lvl3pPr marL="1219170" indent="0">
-              <a:buNone/>
-              <a:defRPr sz="1600"/>
+            <a:lvl3pPr marL="914400" indent="0">
+              <a:buNone/>
+              <a:defRPr sz="1000"/>
             </a:lvl3pPr>
-            <a:lvl4pPr marL="1828754" indent="0">
-              <a:buNone/>
-              <a:defRPr sz="1333"/>
+            <a:lvl4pPr marL="1371600" indent="0">
+              <a:buNone/>
+              <a:defRPr sz="900"/>
             </a:lvl4pPr>
-            <a:lvl5pPr marL="2438339" indent="0">
-              <a:buNone/>
-              <a:defRPr sz="1333"/>
+            <a:lvl5pPr marL="1828800" indent="0">
+              <a:buNone/>
+              <a:defRPr sz="900"/>
             </a:lvl5pPr>
-            <a:lvl6pPr marL="3047924" indent="0">
-              <a:buNone/>
-              <a:defRPr sz="1333"/>
+            <a:lvl6pPr marL="2286000" indent="0">
+              <a:buNone/>
+              <a:defRPr sz="900"/>
             </a:lvl6pPr>
-            <a:lvl7pPr marL="3657509" indent="0">
-              <a:buNone/>
-              <a:defRPr sz="1333"/>
+            <a:lvl7pPr marL="2743200" indent="0">
+              <a:buNone/>
+              <a:defRPr sz="900"/>
             </a:lvl7pPr>
-            <a:lvl8pPr marL="4267093" indent="0">
-              <a:buNone/>
-              <a:defRPr sz="1333"/>
+            <a:lvl8pPr marL="3200400" indent="0">
+              <a:buNone/>
+              <a:defRPr sz="900"/>
             </a:lvl8pPr>
-            <a:lvl9pPr marL="4876678" indent="0">
-              <a:buNone/>
-              <a:defRPr sz="1333"/>
+            <a:lvl9pPr marL="3657600" indent="0">
+              <a:buNone/>
+              <a:defRPr sz="900"/>
             </a:lvl9pPr>
           </a:lstStyle>
           <a:p>
@@ -2790,9 +2491,10 @@
           <a:bodyPr/>
           <a:lstStyle/>
           <a:p>
-            <a:fld id="{C5982FF3-AEC2-44F4-9AB6-41CB130DEE0B}" type="datetimeFigureOut">
-              <a:rPr lang="en-US" smtClean="0"/>
-              <a:t>6/16/2014</a:t>
+            <a:fld id="{1D8BD707-D9CF-40AE-B4C6-C98DA3205C09}" type="datetimeFigureOut">
+              <a:rPr lang="en-US" smtClean="0"/>
+              <a:pPr/>
+              <a:t>6/17/2014</a:t>
             </a:fld>
             <a:endParaRPr lang="en-US"/>
           </a:p>
@@ -2832,8 +2534,9 @@
           <a:bodyPr/>
           <a:lstStyle/>
           <a:p>
-            <a:fld id="{3FCBF118-8E8A-41EF-8E2C-5C2C96E70497}" type="slidenum">
-              <a:rPr lang="en-US" smtClean="0"/>
+            <a:fld id="{B6F15528-21DE-4FAA-801E-634DDDAF4B2B}" type="slidenum">
+              <a:rPr lang="en-US" smtClean="0"/>
+              <a:pPr/>
               <a:t>‹#›</a:t>
             </a:fld>
             <a:endParaRPr lang="en-US"/>
@@ -2841,11 +2544,6 @@
         </p:txBody>
       </p:sp>
     </p:spTree>
-    <p:extLst>
-      <p:ext uri="{BB962C8B-B14F-4D97-AF65-F5344CB8AC3E}">
-        <p14:creationId xmlns:p14="http://schemas.microsoft.com/office/powerpoint/2010/main" val="1255264490"/>
-      </p:ext>
-    </p:extLst>
   </p:cSld>
   <p:clrMapOvr>
     <a:masterClrMapping/>
@@ -2887,8 +2585,8 @@
         </p:nvSpPr>
         <p:spPr>
           <a:xfrm>
-            <a:off x="1885950" y="486834"/>
-            <a:ext cx="23660100" cy="1767417"/>
+            <a:off x="2560320" y="366184"/>
+            <a:ext cx="46085760" cy="1524000"/>
           </a:xfrm>
           <a:prstGeom prst="rect">
             <a:avLst/>
@@ -2904,7 +2602,7 @@
               <a:rPr lang="en-US" smtClean="0"/>
               <a:t>Click to edit Master title style</a:t>
             </a:r>
-            <a:endParaRPr lang="en-US" dirty="0"/>
+            <a:endParaRPr lang="en-US"/>
           </a:p>
         </p:txBody>
       </p:sp>
@@ -2920,8 +2618,8 @@
         </p:nvSpPr>
         <p:spPr>
           <a:xfrm>
-            <a:off x="1885950" y="2434167"/>
-            <a:ext cx="23660100" cy="5801784"/>
+            <a:off x="2560320" y="2133605"/>
+            <a:ext cx="46085760" cy="6034617"/>
           </a:xfrm>
           <a:prstGeom prst="rect">
             <a:avLst/>
@@ -2966,7 +2664,7 @@
               <a:rPr lang="en-US" smtClean="0"/>
               <a:t>Fifth level</a:t>
             </a:r>
-            <a:endParaRPr lang="en-US" dirty="0"/>
+            <a:endParaRPr lang="en-US"/>
           </a:p>
         </p:txBody>
       </p:sp>
@@ -2982,8 +2680,8 @@
         </p:nvSpPr>
         <p:spPr>
           <a:xfrm>
-            <a:off x="1885950" y="8475134"/>
-            <a:ext cx="6172200" cy="486833"/>
+            <a:off x="2560320" y="8475138"/>
+            <a:ext cx="11948160" cy="486833"/>
           </a:xfrm>
           <a:prstGeom prst="rect">
             <a:avLst/>
@@ -2993,7 +2691,7 @@
           <a:bodyPr vert="horz" lIns="91440" tIns="45720" rIns="91440" bIns="45720" rtlCol="0" anchor="ctr"/>
           <a:lstStyle>
             <a:lvl1pPr algn="l">
-              <a:defRPr sz="1600">
+              <a:defRPr sz="1200">
                 <a:solidFill>
                   <a:schemeClr val="tx1">
                     <a:tint val="75000"/>
@@ -3003,9 +2701,10 @@
             </a:lvl1pPr>
           </a:lstStyle>
           <a:p>
-            <a:fld id="{C5982FF3-AEC2-44F4-9AB6-41CB130DEE0B}" type="datetimeFigureOut">
-              <a:rPr lang="en-US" smtClean="0"/>
-              <a:t>6/16/2014</a:t>
+            <a:fld id="{1D8BD707-D9CF-40AE-B4C6-C98DA3205C09}" type="datetimeFigureOut">
+              <a:rPr lang="en-US" smtClean="0"/>
+              <a:pPr/>
+              <a:t>6/17/2014</a:t>
             </a:fld>
             <a:endParaRPr lang="en-US"/>
           </a:p>
@@ -3023,8 +2722,8 @@
         </p:nvSpPr>
         <p:spPr>
           <a:xfrm>
-            <a:off x="9086850" y="8475134"/>
-            <a:ext cx="9258300" cy="486833"/>
+            <a:off x="17495520" y="8475138"/>
+            <a:ext cx="16215360" cy="486833"/>
           </a:xfrm>
           <a:prstGeom prst="rect">
             <a:avLst/>
@@ -3034,7 +2733,7 @@
           <a:bodyPr vert="horz" lIns="91440" tIns="45720" rIns="91440" bIns="45720" rtlCol="0" anchor="ctr"/>
           <a:lstStyle>
             <a:lvl1pPr algn="ctr">
-              <a:defRPr sz="1600">
+              <a:defRPr sz="1200">
                 <a:solidFill>
                   <a:schemeClr val="tx1">
                     <a:tint val="75000"/>
@@ -3060,8 +2759,8 @@
         </p:nvSpPr>
         <p:spPr>
           <a:xfrm>
-            <a:off x="19373850" y="8475134"/>
-            <a:ext cx="6172200" cy="486833"/>
+            <a:off x="36697920" y="8475138"/>
+            <a:ext cx="11948160" cy="486833"/>
           </a:xfrm>
           <a:prstGeom prst="rect">
             <a:avLst/>
@@ -3071,7 +2770,7 @@
           <a:bodyPr vert="horz" lIns="91440" tIns="45720" rIns="91440" bIns="45720" rtlCol="0" anchor="ctr"/>
           <a:lstStyle>
             <a:lvl1pPr algn="r">
-              <a:defRPr sz="1600">
+              <a:defRPr sz="1200">
                 <a:solidFill>
                   <a:schemeClr val="tx1">
                     <a:tint val="75000"/>
@@ -3081,8 +2780,9 @@
             </a:lvl1pPr>
           </a:lstStyle>
           <a:p>
-            <a:fld id="{3FCBF118-8E8A-41EF-8E2C-5C2C96E70497}" type="slidenum">
-              <a:rPr lang="en-US" smtClean="0"/>
+            <a:fld id="{B6F15528-21DE-4FAA-801E-634DDDAF4B2B}" type="slidenum">
+              <a:rPr lang="en-US" smtClean="0"/>
+              <a:pPr/>
               <a:t>‹#›</a:t>
             </a:fld>
             <a:endParaRPr lang="en-US"/>
@@ -3090,37 +2790,29 @@
         </p:txBody>
       </p:sp>
     </p:spTree>
-    <p:extLst>
-      <p:ext uri="{BB962C8B-B14F-4D97-AF65-F5344CB8AC3E}">
-        <p14:creationId xmlns:p14="http://schemas.microsoft.com/office/powerpoint/2010/main" val="223389533"/>
-      </p:ext>
-    </p:extLst>
   </p:cSld>
   <p:clrMap bg1="lt1" tx1="dk1" bg2="lt2" tx2="dk2" accent1="accent1" accent2="accent2" accent3="accent3" accent4="accent4" accent5="accent5" accent6="accent6" hlink="hlink" folHlink="folHlink"/>
   <p:sldLayoutIdLst>
-    <p:sldLayoutId id="2147483697" r:id="rId1"/>
-    <p:sldLayoutId id="2147483698" r:id="rId2"/>
-    <p:sldLayoutId id="2147483699" r:id="rId3"/>
-    <p:sldLayoutId id="2147483700" r:id="rId4"/>
-    <p:sldLayoutId id="2147483701" r:id="rId5"/>
-    <p:sldLayoutId id="2147483702" r:id="rId6"/>
-    <p:sldLayoutId id="2147483703" r:id="rId7"/>
-    <p:sldLayoutId id="2147483704" r:id="rId8"/>
-    <p:sldLayoutId id="2147483705" r:id="rId9"/>
-    <p:sldLayoutId id="2147483706" r:id="rId10"/>
-    <p:sldLayoutId id="2147483707" r:id="rId11"/>
+    <p:sldLayoutId id="2147483649" r:id="rId1"/>
+    <p:sldLayoutId id="2147483650" r:id="rId2"/>
+    <p:sldLayoutId id="2147483651" r:id="rId3"/>
+    <p:sldLayoutId id="2147483652" r:id="rId4"/>
+    <p:sldLayoutId id="2147483653" r:id="rId5"/>
+    <p:sldLayoutId id="2147483654" r:id="rId6"/>
+    <p:sldLayoutId id="2147483655" r:id="rId7"/>
+    <p:sldLayoutId id="2147483656" r:id="rId8"/>
+    <p:sldLayoutId id="2147483657" r:id="rId9"/>
+    <p:sldLayoutId id="2147483658" r:id="rId10"/>
+    <p:sldLayoutId id="2147483659" r:id="rId11"/>
   </p:sldLayoutIdLst>
   <p:txStyles>
     <p:titleStyle>
-      <a:lvl1pPr algn="l" defTabSz="1219170" rtl="0" eaLnBrk="1" latinLnBrk="0" hangingPunct="1">
-        <a:lnSpc>
-          <a:spcPct val="90000"/>
-        </a:lnSpc>
+      <a:lvl1pPr algn="ctr" defTabSz="914400" rtl="0" eaLnBrk="1" latinLnBrk="0" hangingPunct="1">
         <a:spcBef>
           <a:spcPct val="0"/>
         </a:spcBef>
         <a:buNone/>
-        <a:defRPr sz="5867" kern="1200">
+        <a:defRPr sz="4400" kern="1200">
           <a:solidFill>
             <a:schemeClr val="tx1"/>
           </a:solidFill>
@@ -3131,32 +2823,11 @@
       </a:lvl1pPr>
     </p:titleStyle>
     <p:bodyStyle>
-      <a:lvl1pPr marL="304792" indent="-304792" algn="l" defTabSz="1219170" rtl="0" eaLnBrk="1" latinLnBrk="0" hangingPunct="1">
-        <a:lnSpc>
-          <a:spcPct val="90000"/>
-        </a:lnSpc>
+      <a:lvl1pPr marL="342900" indent="-342900" algn="l" defTabSz="914400" rtl="0" eaLnBrk="1" latinLnBrk="0" hangingPunct="1">
         <a:spcBef>
-          <a:spcPts val="1333"/>
+          <a:spcPct val="20000"/>
         </a:spcBef>
-        <a:buFont typeface="Arial" panose="020B0604020202020204" pitchFamily="34" charset="0"/>
-        <a:buChar char="•"/>
-        <a:defRPr sz="3733" kern="1200">
-          <a:solidFill>
-            <a:schemeClr val="tx1"/>
-          </a:solidFill>
-          <a:latin typeface="+mn-lt"/>
-          <a:ea typeface="+mn-ea"/>
-          <a:cs typeface="+mn-cs"/>
-        </a:defRPr>
-      </a:lvl1pPr>
-      <a:lvl2pPr marL="914377" indent="-304792" algn="l" defTabSz="1219170" rtl="0" eaLnBrk="1" latinLnBrk="0" hangingPunct="1">
-        <a:lnSpc>
-          <a:spcPct val="90000"/>
-        </a:lnSpc>
-        <a:spcBef>
-          <a:spcPts val="667"/>
-        </a:spcBef>
-        <a:buFont typeface="Arial" panose="020B0604020202020204" pitchFamily="34" charset="0"/>
+        <a:buFont typeface="Arial" pitchFamily="34" charset="0"/>
         <a:buChar char="•"/>
         <a:defRPr sz="3200" kern="1200">
           <a:solidFill>
@@ -3166,17 +2837,14 @@
           <a:ea typeface="+mn-ea"/>
           <a:cs typeface="+mn-cs"/>
         </a:defRPr>
-      </a:lvl2pPr>
-      <a:lvl3pPr marL="1523962" indent="-304792" algn="l" defTabSz="1219170" rtl="0" eaLnBrk="1" latinLnBrk="0" hangingPunct="1">
-        <a:lnSpc>
-          <a:spcPct val="90000"/>
-        </a:lnSpc>
+      </a:lvl1pPr>
+      <a:lvl2pPr marL="742950" indent="-285750" algn="l" defTabSz="914400" rtl="0" eaLnBrk="1" latinLnBrk="0" hangingPunct="1">
         <a:spcBef>
-          <a:spcPts val="667"/>
+          <a:spcPct val="20000"/>
         </a:spcBef>
-        <a:buFont typeface="Arial" panose="020B0604020202020204" pitchFamily="34" charset="0"/>
-        <a:buChar char="•"/>
-        <a:defRPr sz="2667" kern="1200">
+        <a:buFont typeface="Arial" pitchFamily="34" charset="0"/>
+        <a:buChar char="–"/>
+        <a:defRPr sz="2800" kern="1200">
           <a:solidFill>
             <a:schemeClr val="tx1"/>
           </a:solidFill>
@@ -3184,15 +2852,12 @@
           <a:ea typeface="+mn-ea"/>
           <a:cs typeface="+mn-cs"/>
         </a:defRPr>
-      </a:lvl3pPr>
-      <a:lvl4pPr marL="2133547" indent="-304792" algn="l" defTabSz="1219170" rtl="0" eaLnBrk="1" latinLnBrk="0" hangingPunct="1">
-        <a:lnSpc>
-          <a:spcPct val="90000"/>
-        </a:lnSpc>
+      </a:lvl2pPr>
+      <a:lvl3pPr marL="1143000" indent="-228600" algn="l" defTabSz="914400" rtl="0" eaLnBrk="1" latinLnBrk="0" hangingPunct="1">
         <a:spcBef>
-          <a:spcPts val="667"/>
+          <a:spcPct val="20000"/>
         </a:spcBef>
-        <a:buFont typeface="Arial" panose="020B0604020202020204" pitchFamily="34" charset="0"/>
+        <a:buFont typeface="Arial" pitchFamily="34" charset="0"/>
         <a:buChar char="•"/>
         <a:defRPr sz="2400" kern="1200">
           <a:solidFill>
@@ -3202,17 +2867,29 @@
           <a:ea typeface="+mn-ea"/>
           <a:cs typeface="+mn-cs"/>
         </a:defRPr>
+      </a:lvl3pPr>
+      <a:lvl4pPr marL="1600200" indent="-228600" algn="l" defTabSz="914400" rtl="0" eaLnBrk="1" latinLnBrk="0" hangingPunct="1">
+        <a:spcBef>
+          <a:spcPct val="20000"/>
+        </a:spcBef>
+        <a:buFont typeface="Arial" pitchFamily="34" charset="0"/>
+        <a:buChar char="–"/>
+        <a:defRPr sz="2000" kern="1200">
+          <a:solidFill>
+            <a:schemeClr val="tx1"/>
+          </a:solidFill>
+          <a:latin typeface="+mn-lt"/>
+          <a:ea typeface="+mn-ea"/>
+          <a:cs typeface="+mn-cs"/>
+        </a:defRPr>
       </a:lvl4pPr>
-      <a:lvl5pPr marL="2743131" indent="-304792" algn="l" defTabSz="1219170" rtl="0" eaLnBrk="1" latinLnBrk="0" hangingPunct="1">
-        <a:lnSpc>
-          <a:spcPct val="90000"/>
-        </a:lnSpc>
+      <a:lvl5pPr marL="2057400" indent="-228600" algn="l" defTabSz="914400" rtl="0" eaLnBrk="1" latinLnBrk="0" hangingPunct="1">
         <a:spcBef>
-          <a:spcPts val="667"/>
+          <a:spcPct val="20000"/>
         </a:spcBef>
-        <a:buFont typeface="Arial" panose="020B0604020202020204" pitchFamily="34" charset="0"/>
-        <a:buChar char="•"/>
-        <a:defRPr sz="2400" kern="1200">
+        <a:buFont typeface="Arial" pitchFamily="34" charset="0"/>
+        <a:buChar char="»"/>
+        <a:defRPr sz="2000" kern="1200">
           <a:solidFill>
             <a:schemeClr val="tx1"/>
           </a:solidFill>
@@ -3221,16 +2898,13 @@
           <a:cs typeface="+mn-cs"/>
         </a:defRPr>
       </a:lvl5pPr>
-      <a:lvl6pPr marL="3352716" indent="-304792" algn="l" defTabSz="1219170" rtl="0" eaLnBrk="1" latinLnBrk="0" hangingPunct="1">
-        <a:lnSpc>
-          <a:spcPct val="90000"/>
-        </a:lnSpc>
+      <a:lvl6pPr marL="2514600" indent="-228600" algn="l" defTabSz="914400" rtl="0" eaLnBrk="1" latinLnBrk="0" hangingPunct="1">
         <a:spcBef>
-          <a:spcPts val="667"/>
+          <a:spcPct val="20000"/>
         </a:spcBef>
-        <a:buFont typeface="Arial" panose="020B0604020202020204" pitchFamily="34" charset="0"/>
+        <a:buFont typeface="Arial" pitchFamily="34" charset="0"/>
         <a:buChar char="•"/>
-        <a:defRPr sz="2400" kern="1200">
+        <a:defRPr sz="2000" kern="1200">
           <a:solidFill>
             <a:schemeClr val="tx1"/>
           </a:solidFill>
@@ -3239,16 +2913,13 @@
           <a:cs typeface="+mn-cs"/>
         </a:defRPr>
       </a:lvl6pPr>
-      <a:lvl7pPr marL="3962301" indent="-304792" algn="l" defTabSz="1219170" rtl="0" eaLnBrk="1" latinLnBrk="0" hangingPunct="1">
-        <a:lnSpc>
-          <a:spcPct val="90000"/>
-        </a:lnSpc>
+      <a:lvl7pPr marL="2971800" indent="-228600" algn="l" defTabSz="914400" rtl="0" eaLnBrk="1" latinLnBrk="0" hangingPunct="1">
         <a:spcBef>
-          <a:spcPts val="667"/>
+          <a:spcPct val="20000"/>
         </a:spcBef>
-        <a:buFont typeface="Arial" panose="020B0604020202020204" pitchFamily="34" charset="0"/>
+        <a:buFont typeface="Arial" pitchFamily="34" charset="0"/>
         <a:buChar char="•"/>
-        <a:defRPr sz="2400" kern="1200">
+        <a:defRPr sz="2000" kern="1200">
           <a:solidFill>
             <a:schemeClr val="tx1"/>
           </a:solidFill>
@@ -3257,16 +2928,13 @@
           <a:cs typeface="+mn-cs"/>
         </a:defRPr>
       </a:lvl7pPr>
-      <a:lvl8pPr marL="4571886" indent="-304792" algn="l" defTabSz="1219170" rtl="0" eaLnBrk="1" latinLnBrk="0" hangingPunct="1">
-        <a:lnSpc>
-          <a:spcPct val="90000"/>
-        </a:lnSpc>
+      <a:lvl8pPr marL="3429000" indent="-228600" algn="l" defTabSz="914400" rtl="0" eaLnBrk="1" latinLnBrk="0" hangingPunct="1">
         <a:spcBef>
-          <a:spcPts val="667"/>
+          <a:spcPct val="20000"/>
         </a:spcBef>
-        <a:buFont typeface="Arial" panose="020B0604020202020204" pitchFamily="34" charset="0"/>
+        <a:buFont typeface="Arial" pitchFamily="34" charset="0"/>
         <a:buChar char="•"/>
-        <a:defRPr sz="2400" kern="1200">
+        <a:defRPr sz="2000" kern="1200">
           <a:solidFill>
             <a:schemeClr val="tx1"/>
           </a:solidFill>
@@ -3275,16 +2943,13 @@
           <a:cs typeface="+mn-cs"/>
         </a:defRPr>
       </a:lvl8pPr>
-      <a:lvl9pPr marL="5181470" indent="-304792" algn="l" defTabSz="1219170" rtl="0" eaLnBrk="1" latinLnBrk="0" hangingPunct="1">
-        <a:lnSpc>
-          <a:spcPct val="90000"/>
-        </a:lnSpc>
+      <a:lvl9pPr marL="3886200" indent="-228600" algn="l" defTabSz="914400" rtl="0" eaLnBrk="1" latinLnBrk="0" hangingPunct="1">
         <a:spcBef>
-          <a:spcPts val="667"/>
+          <a:spcPct val="20000"/>
         </a:spcBef>
-        <a:buFont typeface="Arial" panose="020B0604020202020204" pitchFamily="34" charset="0"/>
+        <a:buFont typeface="Arial" pitchFamily="34" charset="0"/>
         <a:buChar char="•"/>
-        <a:defRPr sz="2400" kern="1200">
+        <a:defRPr sz="2000" kern="1200">
           <a:solidFill>
             <a:schemeClr val="tx1"/>
           </a:solidFill>
@@ -3298,8 +2963,8 @@
       <a:defPPr>
         <a:defRPr lang="en-US"/>
       </a:defPPr>
-      <a:lvl1pPr marL="0" algn="l" defTabSz="1219170" rtl="0" eaLnBrk="1" latinLnBrk="0" hangingPunct="1">
-        <a:defRPr sz="2400" kern="1200">
+      <a:lvl1pPr marL="0" algn="l" defTabSz="914400" rtl="0" eaLnBrk="1" latinLnBrk="0" hangingPunct="1">
+        <a:defRPr sz="1800" kern="1200">
           <a:solidFill>
             <a:schemeClr val="tx1"/>
           </a:solidFill>
@@ -3308,8 +2973,8 @@
           <a:cs typeface="+mn-cs"/>
         </a:defRPr>
       </a:lvl1pPr>
-      <a:lvl2pPr marL="609585" algn="l" defTabSz="1219170" rtl="0" eaLnBrk="1" latinLnBrk="0" hangingPunct="1">
-        <a:defRPr sz="2400" kern="1200">
+      <a:lvl2pPr marL="457200" algn="l" defTabSz="914400" rtl="0" eaLnBrk="1" latinLnBrk="0" hangingPunct="1">
+        <a:defRPr sz="1800" kern="1200">
           <a:solidFill>
             <a:schemeClr val="tx1"/>
           </a:solidFill>
@@ -3318,8 +2983,8 @@
           <a:cs typeface="+mn-cs"/>
         </a:defRPr>
       </a:lvl2pPr>
-      <a:lvl3pPr marL="1219170" algn="l" defTabSz="1219170" rtl="0" eaLnBrk="1" latinLnBrk="0" hangingPunct="1">
-        <a:defRPr sz="2400" kern="1200">
+      <a:lvl3pPr marL="914400" algn="l" defTabSz="914400" rtl="0" eaLnBrk="1" latinLnBrk="0" hangingPunct="1">
+        <a:defRPr sz="1800" kern="1200">
           <a:solidFill>
             <a:schemeClr val="tx1"/>
           </a:solidFill>
@@ -3328,8 +2993,8 @@
           <a:cs typeface="+mn-cs"/>
         </a:defRPr>
       </a:lvl3pPr>
-      <a:lvl4pPr marL="1828754" algn="l" defTabSz="1219170" rtl="0" eaLnBrk="1" latinLnBrk="0" hangingPunct="1">
-        <a:defRPr sz="2400" kern="1200">
+      <a:lvl4pPr marL="1371600" algn="l" defTabSz="914400" rtl="0" eaLnBrk="1" latinLnBrk="0" hangingPunct="1">
+        <a:defRPr sz="1800" kern="1200">
           <a:solidFill>
             <a:schemeClr val="tx1"/>
           </a:solidFill>
@@ -3338,8 +3003,8 @@
           <a:cs typeface="+mn-cs"/>
         </a:defRPr>
       </a:lvl4pPr>
-      <a:lvl5pPr marL="2438339" algn="l" defTabSz="1219170" rtl="0" eaLnBrk="1" latinLnBrk="0" hangingPunct="1">
-        <a:defRPr sz="2400" kern="1200">
+      <a:lvl5pPr marL="1828800" algn="l" defTabSz="914400" rtl="0" eaLnBrk="1" latinLnBrk="0" hangingPunct="1">
+        <a:defRPr sz="1800" kern="1200">
           <a:solidFill>
             <a:schemeClr val="tx1"/>
           </a:solidFill>
@@ -3348,8 +3013,8 @@
           <a:cs typeface="+mn-cs"/>
         </a:defRPr>
       </a:lvl5pPr>
-      <a:lvl6pPr marL="3047924" algn="l" defTabSz="1219170" rtl="0" eaLnBrk="1" latinLnBrk="0" hangingPunct="1">
-        <a:defRPr sz="2400" kern="1200">
+      <a:lvl6pPr marL="2286000" algn="l" defTabSz="914400" rtl="0" eaLnBrk="1" latinLnBrk="0" hangingPunct="1">
+        <a:defRPr sz="1800" kern="1200">
           <a:solidFill>
             <a:schemeClr val="tx1"/>
           </a:solidFill>
@@ -3358,8 +3023,8 @@
           <a:cs typeface="+mn-cs"/>
         </a:defRPr>
       </a:lvl6pPr>
-      <a:lvl7pPr marL="3657509" algn="l" defTabSz="1219170" rtl="0" eaLnBrk="1" latinLnBrk="0" hangingPunct="1">
-        <a:defRPr sz="2400" kern="1200">
+      <a:lvl7pPr marL="2743200" algn="l" defTabSz="914400" rtl="0" eaLnBrk="1" latinLnBrk="0" hangingPunct="1">
+        <a:defRPr sz="1800" kern="1200">
           <a:solidFill>
             <a:schemeClr val="tx1"/>
           </a:solidFill>
@@ -3368,8 +3033,8 @@
           <a:cs typeface="+mn-cs"/>
         </a:defRPr>
       </a:lvl7pPr>
-      <a:lvl8pPr marL="4267093" algn="l" defTabSz="1219170" rtl="0" eaLnBrk="1" latinLnBrk="0" hangingPunct="1">
-        <a:defRPr sz="2400" kern="1200">
+      <a:lvl8pPr marL="3200400" algn="l" defTabSz="914400" rtl="0" eaLnBrk="1" latinLnBrk="0" hangingPunct="1">
+        <a:defRPr sz="1800" kern="1200">
           <a:solidFill>
             <a:schemeClr val="tx1"/>
           </a:solidFill>
@@ -3378,8 +3043,8 @@
           <a:cs typeface="+mn-cs"/>
         </a:defRPr>
       </a:lvl8pPr>
-      <a:lvl9pPr marL="4876678" algn="l" defTabSz="1219170" rtl="0" eaLnBrk="1" latinLnBrk="0" hangingPunct="1">
-        <a:defRPr sz="2400" kern="1200">
+      <a:lvl9pPr marL="3657600" algn="l" defTabSz="914400" rtl="0" eaLnBrk="1" latinLnBrk="0" hangingPunct="1">
+        <a:defRPr sz="1800" kern="1200">
           <a:solidFill>
             <a:schemeClr val="tx1"/>
           </a:solidFill>
@@ -3418,13 +3083,17 @@
         </p:nvSpPr>
         <p:spPr>
           <a:xfrm>
-            <a:off x="914400" y="2743200"/>
-            <a:ext cx="26517600" cy="3939540"/>
+            <a:off x="24765000" y="4648200"/>
+            <a:ext cx="4038600" cy="3276600"/>
           </a:xfrm>
           <a:prstGeom prst="rect">
             <a:avLst/>
           </a:prstGeom>
           <a:noFill/>
+          <a:scene3d>
+            <a:camera prst="perspectiveRight"/>
+            <a:lightRig rig="threePt" dir="t"/>
+          </a:scene3d>
         </p:spPr>
         <p:txBody>
           <a:bodyPr wrap="square" rtlCol="0">
@@ -3432,53 +3101,133 @@
           </a:bodyPr>
           <a:lstStyle/>
           <a:p>
-            <a:r>
-              <a:rPr lang="en-US" sz="25000" dirty="0">
+            <a:pPr algn="ctr"/>
+            <a:r>
+              <a:rPr lang="en-US" sz="20000" dirty="0">
                 <a:solidFill>
-                  <a:schemeClr val="tx1">
-                    <a:lumMod val="75000"/>
-                    <a:lumOff val="25000"/>
-                  </a:schemeClr>
+                  <a:schemeClr val="bg1"/>
                 </a:solidFill>
-                <a:effectLst>
-                  <a:outerShdw blurRad="38100" dist="38100" dir="2700000" algn="tl">
-                    <a:srgbClr val="000000">
-                      <a:alpha val="43137"/>
-                    </a:srgbClr>
-                  </a:outerShdw>
-                </a:effectLst>
+              </a:rPr>
+              <a:t>ro</a:t>
+            </a:r>
+          </a:p>
+        </p:txBody>
+      </p:sp>
+      <p:grpSp>
+        <p:nvGrpSpPr>
+          <p:cNvPr id="6" name="Group 5"/>
+          <p:cNvGrpSpPr/>
+          <p:nvPr/>
+        </p:nvGrpSpPr>
+        <p:grpSpPr>
+          <a:xfrm>
+            <a:off x="2743200" y="1005840"/>
+            <a:ext cx="46085760" cy="6766561"/>
+            <a:chOff x="1371600" y="1097280"/>
+            <a:chExt cx="46085760" cy="6766561"/>
+          </a:xfrm>
+          <a:scene3d>
+            <a:camera prst="orthographicFront"/>
+            <a:lightRig rig="threePt" dir="t"/>
+          </a:scene3d>
+        </p:grpSpPr>
+        <p:sp>
+          <p:nvSpPr>
+            <p:cNvPr id="2" name="Folded Corner 1"/>
+            <p:cNvSpPr/>
+            <p:nvPr/>
+          </p:nvSpPr>
+          <p:spPr>
+            <a:xfrm>
+              <a:off x="1371600" y="1463040"/>
+              <a:ext cx="45720000" cy="6400801"/>
+            </a:xfrm>
+            <a:prstGeom prst="foldedCorner">
+              <a:avLst/>
+            </a:prstGeom>
+          </p:spPr>
+          <p:style>
+            <a:lnRef idx="0">
+              <a:schemeClr val="accent1"/>
+            </a:lnRef>
+            <a:fillRef idx="3">
+              <a:schemeClr val="accent1"/>
+            </a:fillRef>
+            <a:effectRef idx="3">
+              <a:schemeClr val="accent1"/>
+            </a:effectRef>
+            <a:fontRef idx="minor">
+              <a:schemeClr val="lt1"/>
+            </a:fontRef>
+          </p:style>
+          <p:txBody>
+            <a:bodyPr rtlCol="0" anchor="ctr"/>
+            <a:lstStyle/>
+            <a:p>
+              <a:pPr algn="ctr"/>
+              <a:endParaRPr lang="en-US" dirty="0">
+                <a:solidFill>
+                  <a:schemeClr val="tx1"/>
+                </a:solidFill>
+              </a:endParaRPr>
+            </a:p>
+          </p:txBody>
+        </p:sp>
+        <p:sp>
+          <p:nvSpPr>
+            <p:cNvPr id="3" name="TextBox 2"/>
+            <p:cNvSpPr txBox="1"/>
+            <p:nvPr/>
+          </p:nvSpPr>
+          <p:spPr>
+            <a:xfrm>
+              <a:off x="1737360" y="1097280"/>
+              <a:ext cx="45720000" cy="6400800"/>
+            </a:xfrm>
+            <a:prstGeom prst="rect">
+              <a:avLst/>
+            </a:prstGeom>
+            <a:noFill/>
+          </p:spPr>
+          <p:txBody>
+            <a:bodyPr wrap="square" rtlCol="0">
+              <a:spAutoFit/>
+            </a:bodyPr>
+            <a:lstStyle/>
+            <a:p>
+              <a:r>
+                <a:rPr lang="en-US" sz="50000" dirty="0">
+                  <a:solidFill>
+                    <a:schemeClr val="bg1"/>
+                  </a:solidFill>
+                  <a:latin typeface="Magneto" panose="04030805050802020D02" pitchFamily="82" charset="0"/>
+                </a:rPr>
+                <a:t>O</a:t>
+              </a:r>
+              <a:r>
+                <a:rPr lang="en-US" sz="50000" dirty="0">
+                  <a:solidFill>
+                    <a:schemeClr val="bg1"/>
+                  </a:solidFill>
+                  <a:latin typeface="Aharoni" panose="02010803020104030203" pitchFamily="2" charset="-79"/>
+                  <a:cs typeface="Aharoni" panose="02010803020104030203" pitchFamily="2" charset="-79"/>
+                </a:rPr>
+                <a:t>mnia Creator</a:t>
+              </a:r>
+              <a:endParaRPr lang="en-US" sz="50000" dirty="0">
+                <a:solidFill>
+                  <a:schemeClr val="bg1"/>
+                </a:solidFill>
                 <a:latin typeface="Magneto" panose="04030805050802020D02" pitchFamily="82" charset="0"/>
-                <a:cs typeface="Arial" panose="020B0604020202020204" pitchFamily="34" charset="0"/>
-              </a:rPr>
-              <a:t>O</a:t>
-            </a:r>
-            <a:r>
-              <a:rPr lang="en-US" sz="25000" dirty="0">
-                <a:solidFill>
-                  <a:schemeClr val="tx1">
-                    <a:lumMod val="75000"/>
-                    <a:lumOff val="25000"/>
-                  </a:schemeClr>
-                </a:solidFill>
-                <a:effectLst>
-                  <a:outerShdw blurRad="38100" dist="38100" dir="2700000" algn="tl">
-                    <a:srgbClr val="000000">
-                      <a:alpha val="43137"/>
-                    </a:srgbClr>
-                  </a:outerShdw>
-                </a:effectLst>
-                <a:latin typeface="Aharoni" panose="02010803020104030203" pitchFamily="2" charset="-79"/>
-                <a:cs typeface="Aharoni" panose="02010803020104030203" pitchFamily="2" charset="-79"/>
-              </a:rPr>
-              <a:t>mnia Creator</a:t>
-            </a:r>
-          </a:p>
-        </p:txBody>
-      </p:sp>
+              </a:endParaRPr>
+            </a:p>
+          </p:txBody>
+        </p:sp>
+      </p:grpSp>
     </p:spTree>
     <p:extLst>
       <p:ext uri="{BB962C8B-B14F-4D97-AF65-F5344CB8AC3E}">
-        <p14:creationId xmlns:p14="http://schemas.microsoft.com/office/powerpoint/2010/main" val="1170747744"/>
+        <p14:creationId xmlns:p14="http://schemas.microsoft.com/office/powerpoint/2010/main" val="3668448904"/>
       </p:ext>
     </p:extLst>
   </p:cSld>
@@ -3491,7 +3240,7 @@
 <file path=ppt/theme/theme1.xml><?xml version="1.0" encoding="utf-8"?>
 <a:theme xmlns:a="http://schemas.openxmlformats.org/drawingml/2006/main" name="Office Theme">
   <a:themeElements>
-    <a:clrScheme name="Office Theme">
+    <a:clrScheme name="Office">
       <a:dk1>
         <a:sysClr val="windowText" lastClr="000000"/>
       </a:dk1>
@@ -3499,39 +3248,39 @@
         <a:sysClr val="window" lastClr="FFFFFF"/>
       </a:lt1>
       <a:dk2>
-        <a:srgbClr val="44546A"/>
+        <a:srgbClr val="1F497D"/>
       </a:dk2>
       <a:lt2>
-        <a:srgbClr val="E7E6E6"/>
+        <a:srgbClr val="EEECE1"/>
       </a:lt2>
       <a:accent1>
-        <a:srgbClr val="5B9BD5"/>
+        <a:srgbClr val="4F81BD"/>
       </a:accent1>
       <a:accent2>
-        <a:srgbClr val="ED7D31"/>
+        <a:srgbClr val="C0504D"/>
       </a:accent2>
       <a:accent3>
-        <a:srgbClr val="A5A5A5"/>
+        <a:srgbClr val="9BBB59"/>
       </a:accent3>
       <a:accent4>
-        <a:srgbClr val="FFC000"/>
+        <a:srgbClr val="8064A2"/>
       </a:accent4>
       <a:accent5>
-        <a:srgbClr val="4472C4"/>
+        <a:srgbClr val="4BACC6"/>
       </a:accent5>
       <a:accent6>
-        <a:srgbClr val="70AD47"/>
+        <a:srgbClr val="F79646"/>
       </a:accent6>
       <a:hlink>
-        <a:srgbClr val="0563C1"/>
+        <a:srgbClr val="0000FF"/>
       </a:hlink>
       <a:folHlink>
-        <a:srgbClr val="954F72"/>
+        <a:srgbClr val="800080"/>
       </a:folHlink>
     </a:clrScheme>
-    <a:fontScheme name="Office Theme">
+    <a:fontScheme name="Office">
       <a:majorFont>
-        <a:latin typeface="Calibri Light" panose="020F0302020204030204"/>
+        <a:latin typeface="Calibri"/>
         <a:ea typeface=""/>
         <a:cs typeface=""/>
         <a:font script="Jpan" typeface="ＭＳ Ｐゴシック"/>
@@ -3563,10 +3312,9 @@
         <a:font script="Mong" typeface="Mongolian Baiti"/>
         <a:font script="Viet" typeface="Times New Roman"/>
         <a:font script="Uigh" typeface="Microsoft Uighur"/>
-        <a:font script="Geor" typeface="Sylfaen"/>
       </a:majorFont>
       <a:minorFont>
-        <a:latin typeface="Calibri" panose="020F0502020204030204"/>
+        <a:latin typeface="Calibri"/>
         <a:ea typeface=""/>
         <a:cs typeface=""/>
         <a:font script="Jpan" typeface="ＭＳ Ｐゴシック"/>
@@ -3598,268 +3346,6 @@
         <a:font script="Mong" typeface="Mongolian Baiti"/>
         <a:font script="Viet" typeface="Arial"/>
         <a:font script="Uigh" typeface="Microsoft Uighur"/>
-        <a:font script="Geor" typeface="Sylfaen"/>
-      </a:minorFont>
-    </a:fontScheme>
-    <a:fmtScheme name="Office Theme">
-      <a:fillStyleLst>
-        <a:solidFill>
-          <a:schemeClr val="phClr"/>
-        </a:solidFill>
-        <a:gradFill rotWithShape="1">
-          <a:gsLst>
-            <a:gs pos="0">
-              <a:schemeClr val="phClr">
-                <a:lumMod val="110000"/>
-                <a:satMod val="105000"/>
-                <a:tint val="67000"/>
-              </a:schemeClr>
-            </a:gs>
-            <a:gs pos="50000">
-              <a:schemeClr val="phClr">
-                <a:lumMod val="105000"/>
-                <a:satMod val="103000"/>
-                <a:tint val="73000"/>
-              </a:schemeClr>
-            </a:gs>
-            <a:gs pos="100000">
-              <a:schemeClr val="phClr">
-                <a:lumMod val="105000"/>
-                <a:satMod val="109000"/>
-                <a:tint val="81000"/>
-              </a:schemeClr>
-            </a:gs>
-          </a:gsLst>
-          <a:lin ang="5400000" scaled="0"/>
-        </a:gradFill>
-        <a:gradFill rotWithShape="1">
-          <a:gsLst>
-            <a:gs pos="0">
-              <a:schemeClr val="phClr">
-                <a:satMod val="103000"/>
-                <a:lumMod val="102000"/>
-                <a:tint val="94000"/>
-              </a:schemeClr>
-            </a:gs>
-            <a:gs pos="50000">
-              <a:schemeClr val="phClr">
-                <a:satMod val="110000"/>
-                <a:lumMod val="100000"/>
-                <a:shade val="100000"/>
-              </a:schemeClr>
-            </a:gs>
-            <a:gs pos="100000">
-              <a:schemeClr val="phClr">
-                <a:lumMod val="99000"/>
-                <a:satMod val="120000"/>
-                <a:shade val="78000"/>
-              </a:schemeClr>
-            </a:gs>
-          </a:gsLst>
-          <a:lin ang="5400000" scaled="0"/>
-        </a:gradFill>
-      </a:fillStyleLst>
-      <a:lnStyleLst>
-        <a:ln w="6350" cap="flat" cmpd="sng" algn="ctr">
-          <a:solidFill>
-            <a:schemeClr val="phClr"/>
-          </a:solidFill>
-          <a:prstDash val="solid"/>
-          <a:miter lim="800000"/>
-        </a:ln>
-        <a:ln w="12700" cap="flat" cmpd="sng" algn="ctr">
-          <a:solidFill>
-            <a:schemeClr val="phClr"/>
-          </a:solidFill>
-          <a:prstDash val="solid"/>
-          <a:miter lim="800000"/>
-        </a:ln>
-        <a:ln w="19050" cap="flat" cmpd="sng" algn="ctr">
-          <a:solidFill>
-            <a:schemeClr val="phClr"/>
-          </a:solidFill>
-          <a:prstDash val="solid"/>
-          <a:miter lim="800000"/>
-        </a:ln>
-      </a:lnStyleLst>
-      <a:effectStyleLst>
-        <a:effectStyle>
-          <a:effectLst/>
-        </a:effectStyle>
-        <a:effectStyle>
-          <a:effectLst/>
-        </a:effectStyle>
-        <a:effectStyle>
-          <a:effectLst>
-            <a:outerShdw blurRad="57150" dist="19050" dir="5400000" algn="ctr" rotWithShape="0">
-              <a:srgbClr val="000000">
-                <a:alpha val="63000"/>
-              </a:srgbClr>
-            </a:outerShdw>
-          </a:effectLst>
-        </a:effectStyle>
-      </a:effectStyleLst>
-      <a:bgFillStyleLst>
-        <a:solidFill>
-          <a:schemeClr val="phClr"/>
-        </a:solidFill>
-        <a:solidFill>
-          <a:schemeClr val="phClr">
-            <a:tint val="95000"/>
-            <a:satMod val="170000"/>
-          </a:schemeClr>
-        </a:solidFill>
-        <a:gradFill rotWithShape="1">
-          <a:gsLst>
-            <a:gs pos="0">
-              <a:schemeClr val="phClr">
-                <a:tint val="93000"/>
-                <a:satMod val="150000"/>
-                <a:shade val="98000"/>
-                <a:lumMod val="102000"/>
-              </a:schemeClr>
-            </a:gs>
-            <a:gs pos="50000">
-              <a:schemeClr val="phClr">
-                <a:tint val="98000"/>
-                <a:satMod val="130000"/>
-                <a:shade val="90000"/>
-                <a:lumMod val="103000"/>
-              </a:schemeClr>
-            </a:gs>
-            <a:gs pos="100000">
-              <a:schemeClr val="phClr">
-                <a:shade val="63000"/>
-                <a:satMod val="120000"/>
-              </a:schemeClr>
-            </a:gs>
-          </a:gsLst>
-          <a:lin ang="5400000" scaled="0"/>
-        </a:gradFill>
-      </a:bgFillStyleLst>
-    </a:fmtScheme>
-  </a:themeElements>
-  <a:objectDefaults/>
-  <a:extraClrSchemeLst/>
-  <a:extLst>
-    <a:ext uri="{05A4C25C-085E-4340-85A3-A5531E510DB2}">
-      <thm15:themeFamily xmlns:thm15="http://schemas.microsoft.com/office/thememl/2012/main" name="Office Theme" id="{62F939B6-93AF-4DB8-9C6B-D6C7DFDC589F}" vid="{4A3C46E8-61CC-4603-A589-7422A47A8E4A}"/>
-    </a:ext>
-  </a:extLst>
-</a:theme>
-</file>
-
-<file path=ppt/theme/theme2.xml><?xml version="1.0" encoding="utf-8"?>
-<a:theme xmlns:a="http://schemas.openxmlformats.org/drawingml/2006/main" name="Office Theme">
-  <a:themeElements>
-    <a:clrScheme name="Office">
-      <a:dk1>
-        <a:sysClr val="windowText" lastClr="000000"/>
-      </a:dk1>
-      <a:lt1>
-        <a:sysClr val="window" lastClr="FFFFFF"/>
-      </a:lt1>
-      <a:dk2>
-        <a:srgbClr val="44546A"/>
-      </a:dk2>
-      <a:lt2>
-        <a:srgbClr val="E7E6E6"/>
-      </a:lt2>
-      <a:accent1>
-        <a:srgbClr val="5B9BD5"/>
-      </a:accent1>
-      <a:accent2>
-        <a:srgbClr val="ED7D31"/>
-      </a:accent2>
-      <a:accent3>
-        <a:srgbClr val="A5A5A5"/>
-      </a:accent3>
-      <a:accent4>
-        <a:srgbClr val="FFC000"/>
-      </a:accent4>
-      <a:accent5>
-        <a:srgbClr val="4472C4"/>
-      </a:accent5>
-      <a:accent6>
-        <a:srgbClr val="70AD47"/>
-      </a:accent6>
-      <a:hlink>
-        <a:srgbClr val="0563C1"/>
-      </a:hlink>
-      <a:folHlink>
-        <a:srgbClr val="954F72"/>
-      </a:folHlink>
-    </a:clrScheme>
-    <a:fontScheme name="Office">
-      <a:majorFont>
-        <a:latin typeface="Calibri Light" panose="020F0302020204030204"/>
-        <a:ea typeface=""/>
-        <a:cs typeface=""/>
-        <a:font script="Jpan" typeface="ＭＳ Ｐゴシック"/>
-        <a:font script="Hang" typeface="맑은 고딕"/>
-        <a:font script="Hans" typeface="宋体"/>
-        <a:font script="Hant" typeface="新細明體"/>
-        <a:font script="Arab" typeface="Times New Roman"/>
-        <a:font script="Hebr" typeface="Times New Roman"/>
-        <a:font script="Thai" typeface="Angsana New"/>
-        <a:font script="Ethi" typeface="Nyala"/>
-        <a:font script="Beng" typeface="Vrinda"/>
-        <a:font script="Gujr" typeface="Shruti"/>
-        <a:font script="Khmr" typeface="MoolBoran"/>
-        <a:font script="Knda" typeface="Tunga"/>
-        <a:font script="Guru" typeface="Raavi"/>
-        <a:font script="Cans" typeface="Euphemia"/>
-        <a:font script="Cher" typeface="Plantagenet Cherokee"/>
-        <a:font script="Yiii" typeface="Microsoft Yi Baiti"/>
-        <a:font script="Tibt" typeface="Microsoft Himalaya"/>
-        <a:font script="Thaa" typeface="MV Boli"/>
-        <a:font script="Deva" typeface="Mangal"/>
-        <a:font script="Telu" typeface="Gautami"/>
-        <a:font script="Taml" typeface="Latha"/>
-        <a:font script="Syrc" typeface="Estrangelo Edessa"/>
-        <a:font script="Orya" typeface="Kalinga"/>
-        <a:font script="Mlym" typeface="Kartika"/>
-        <a:font script="Laoo" typeface="DokChampa"/>
-        <a:font script="Sinh" typeface="Iskoola Pota"/>
-        <a:font script="Mong" typeface="Mongolian Baiti"/>
-        <a:font script="Viet" typeface="Times New Roman"/>
-        <a:font script="Uigh" typeface="Microsoft Uighur"/>
-        <a:font script="Geor" typeface="Sylfaen"/>
-      </a:majorFont>
-      <a:minorFont>
-        <a:latin typeface="Calibri" panose="020F0502020204030204"/>
-        <a:ea typeface=""/>
-        <a:cs typeface=""/>
-        <a:font script="Jpan" typeface="ＭＳ Ｐゴシック"/>
-        <a:font script="Hang" typeface="맑은 고딕"/>
-        <a:font script="Hans" typeface="宋体"/>
-        <a:font script="Hant" typeface="新細明體"/>
-        <a:font script="Arab" typeface="Arial"/>
-        <a:font script="Hebr" typeface="Arial"/>
-        <a:font script="Thai" typeface="Cordia New"/>
-        <a:font script="Ethi" typeface="Nyala"/>
-        <a:font script="Beng" typeface="Vrinda"/>
-        <a:font script="Gujr" typeface="Shruti"/>
-        <a:font script="Khmr" typeface="DaunPenh"/>
-        <a:font script="Knda" typeface="Tunga"/>
-        <a:font script="Guru" typeface="Raavi"/>
-        <a:font script="Cans" typeface="Euphemia"/>
-        <a:font script="Cher" typeface="Plantagenet Cherokee"/>
-        <a:font script="Yiii" typeface="Microsoft Yi Baiti"/>
-        <a:font script="Tibt" typeface="Microsoft Himalaya"/>
-        <a:font script="Thaa" typeface="MV Boli"/>
-        <a:font script="Deva" typeface="Mangal"/>
-        <a:font script="Telu" typeface="Gautami"/>
-        <a:font script="Taml" typeface="Latha"/>
-        <a:font script="Syrc" typeface="Estrangelo Edessa"/>
-        <a:font script="Orya" typeface="Kalinga"/>
-        <a:font script="Mlym" typeface="Kartika"/>
-        <a:font script="Laoo" typeface="DokChampa"/>
-        <a:font script="Sinh" typeface="Iskoola Pota"/>
-        <a:font script="Mong" typeface="Mongolian Baiti"/>
-        <a:font script="Viet" typeface="Arial"/>
-        <a:font script="Uigh" typeface="Microsoft Uighur"/>
-        <a:font script="Geor" typeface="Sylfaen"/>
       </a:minorFont>
     </a:fontScheme>
     <a:fmtScheme name="Office">
@@ -3871,141 +3357,193 @@
           <a:gsLst>
             <a:gs pos="0">
               <a:schemeClr val="phClr">
-                <a:lumMod val="110000"/>
-                <a:satMod val="105000"/>
-                <a:tint val="67000"/>
+                <a:tint val="50000"/>
+                <a:satMod val="300000"/>
               </a:schemeClr>
             </a:gs>
-            <a:gs pos="50000">
+            <a:gs pos="35000">
               <a:schemeClr val="phClr">
-                <a:lumMod val="105000"/>
-                <a:satMod val="103000"/>
-                <a:tint val="73000"/>
+                <a:tint val="37000"/>
+                <a:satMod val="300000"/>
               </a:schemeClr>
             </a:gs>
             <a:gs pos="100000">
               <a:schemeClr val="phClr">
-                <a:lumMod val="105000"/>
-                <a:satMod val="109000"/>
-                <a:tint val="81000"/>
+                <a:tint val="15000"/>
+                <a:satMod val="350000"/>
               </a:schemeClr>
             </a:gs>
           </a:gsLst>
-          <a:lin ang="5400000" scaled="0"/>
+          <a:lin ang="16200000" scaled="1"/>
         </a:gradFill>
         <a:gradFill rotWithShape="1">
           <a:gsLst>
             <a:gs pos="0">
               <a:schemeClr val="phClr">
-                <a:satMod val="103000"/>
-                <a:lumMod val="102000"/>
-                <a:tint val="94000"/>
+                <a:shade val="51000"/>
+                <a:satMod val="130000"/>
               </a:schemeClr>
             </a:gs>
-            <a:gs pos="50000">
+            <a:gs pos="80000">
               <a:schemeClr val="phClr">
-                <a:satMod val="110000"/>
-                <a:lumMod val="100000"/>
-                <a:shade val="100000"/>
+                <a:shade val="93000"/>
+                <a:satMod val="130000"/>
               </a:schemeClr>
             </a:gs>
             <a:gs pos="100000">
               <a:schemeClr val="phClr">
-                <a:lumMod val="99000"/>
-                <a:satMod val="120000"/>
-                <a:shade val="78000"/>
+                <a:shade val="94000"/>
+                <a:satMod val="135000"/>
               </a:schemeClr>
             </a:gs>
           </a:gsLst>
-          <a:lin ang="5400000" scaled="0"/>
+          <a:lin ang="16200000" scaled="0"/>
         </a:gradFill>
       </a:fillStyleLst>
       <a:lnStyleLst>
-        <a:ln w="6350" cap="flat" cmpd="sng" algn="ctr">
+        <a:ln w="9525" cap="flat" cmpd="sng" algn="ctr">
+          <a:solidFill>
+            <a:schemeClr val="phClr">
+              <a:shade val="95000"/>
+              <a:satMod val="105000"/>
+            </a:schemeClr>
+          </a:solidFill>
+          <a:prstDash val="solid"/>
+        </a:ln>
+        <a:ln w="25400" cap="flat" cmpd="sng" algn="ctr">
           <a:solidFill>
             <a:schemeClr val="phClr"/>
           </a:solidFill>
           <a:prstDash val="solid"/>
-          <a:miter lim="800000"/>
         </a:ln>
-        <a:ln w="12700" cap="flat" cmpd="sng" algn="ctr">
+        <a:ln w="38100" cap="flat" cmpd="sng" algn="ctr">
           <a:solidFill>
             <a:schemeClr val="phClr"/>
           </a:solidFill>
           <a:prstDash val="solid"/>
-          <a:miter lim="800000"/>
-        </a:ln>
-        <a:ln w="19050" cap="flat" cmpd="sng" algn="ctr">
-          <a:solidFill>
-            <a:schemeClr val="phClr"/>
-          </a:solidFill>
-          <a:prstDash val="solid"/>
-          <a:miter lim="800000"/>
         </a:ln>
       </a:lnStyleLst>
       <a:effectStyleLst>
         <a:effectStyle>
-          <a:effectLst/>
-        </a:effectStyle>
-        <a:effectStyle>
-          <a:effectLst/>
+          <a:effectLst>
+            <a:outerShdw blurRad="40000" dist="20000" dir="5400000" rotWithShape="0">
+              <a:srgbClr val="000000">
+                <a:alpha val="38000"/>
+              </a:srgbClr>
+            </a:outerShdw>
+          </a:effectLst>
         </a:effectStyle>
         <a:effectStyle>
           <a:effectLst>
-            <a:outerShdw blurRad="57150" dist="19050" dir="5400000" algn="ctr" rotWithShape="0">
+            <a:outerShdw blurRad="40000" dist="23000" dir="5400000" rotWithShape="0">
               <a:srgbClr val="000000">
-                <a:alpha val="63000"/>
+                <a:alpha val="35000"/>
               </a:srgbClr>
             </a:outerShdw>
           </a:effectLst>
+        </a:effectStyle>
+        <a:effectStyle>
+          <a:effectLst>
+            <a:outerShdw blurRad="40000" dist="23000" dir="5400000" rotWithShape="0">
+              <a:srgbClr val="000000">
+                <a:alpha val="35000"/>
+              </a:srgbClr>
+            </a:outerShdw>
+          </a:effectLst>
+          <a:scene3d>
+            <a:camera prst="orthographicFront">
+              <a:rot lat="0" lon="0" rev="0"/>
+            </a:camera>
+            <a:lightRig rig="threePt" dir="t">
+              <a:rot lat="0" lon="0" rev="1200000"/>
+            </a:lightRig>
+          </a:scene3d>
+          <a:sp3d>
+            <a:bevelT w="63500" h="25400"/>
+          </a:sp3d>
         </a:effectStyle>
       </a:effectStyleLst>
       <a:bgFillStyleLst>
         <a:solidFill>
           <a:schemeClr val="phClr"/>
         </a:solidFill>
-        <a:solidFill>
-          <a:schemeClr val="phClr">
-            <a:tint val="95000"/>
-            <a:satMod val="170000"/>
-          </a:schemeClr>
-        </a:solidFill>
         <a:gradFill rotWithShape="1">
           <a:gsLst>
             <a:gs pos="0">
               <a:schemeClr val="phClr">
-                <a:tint val="93000"/>
-                <a:satMod val="150000"/>
-                <a:shade val="98000"/>
-                <a:lumMod val="102000"/>
+                <a:tint val="40000"/>
+                <a:satMod val="350000"/>
               </a:schemeClr>
             </a:gs>
-            <a:gs pos="50000">
+            <a:gs pos="40000">
               <a:schemeClr val="phClr">
-                <a:tint val="98000"/>
-                <a:satMod val="130000"/>
-                <a:shade val="90000"/>
-                <a:lumMod val="103000"/>
+                <a:tint val="45000"/>
+                <a:shade val="99000"/>
+                <a:satMod val="350000"/>
               </a:schemeClr>
             </a:gs>
             <a:gs pos="100000">
               <a:schemeClr val="phClr">
-                <a:shade val="63000"/>
-                <a:satMod val="120000"/>
+                <a:shade val="20000"/>
+                <a:satMod val="255000"/>
               </a:schemeClr>
             </a:gs>
           </a:gsLst>
-          <a:lin ang="5400000" scaled="0"/>
+          <a:path path="circle">
+            <a:fillToRect l="50000" t="-80000" r="50000" b="180000"/>
+          </a:path>
+        </a:gradFill>
+        <a:gradFill rotWithShape="1">
+          <a:gsLst>
+            <a:gs pos="0">
+              <a:schemeClr val="phClr">
+                <a:tint val="80000"/>
+                <a:satMod val="300000"/>
+              </a:schemeClr>
+            </a:gs>
+            <a:gs pos="100000">
+              <a:schemeClr val="phClr">
+                <a:shade val="30000"/>
+                <a:satMod val="200000"/>
+              </a:schemeClr>
+            </a:gs>
+          </a:gsLst>
+          <a:path path="circle">
+            <a:fillToRect l="50000" t="50000" r="50000" b="50000"/>
+          </a:path>
         </a:gradFill>
       </a:bgFillStyleLst>
     </a:fmtScheme>
   </a:themeElements>
-  <a:objectDefaults/>
+  <a:objectDefaults>
+    <a:spDef>
+      <a:spPr/>
+      <a:bodyPr rtlCol="0" anchor="ctr"/>
+      <a:lstStyle>
+        <a:defPPr algn="ctr">
+          <a:defRPr dirty="0">
+            <a:solidFill>
+              <a:schemeClr val="tx1"/>
+            </a:solidFill>
+          </a:defRPr>
+        </a:defPPr>
+      </a:lstStyle>
+      <a:style>
+        <a:lnRef idx="0">
+          <a:schemeClr val="accent1"/>
+        </a:lnRef>
+        <a:fillRef idx="3">
+          <a:schemeClr val="accent1"/>
+        </a:fillRef>
+        <a:effectRef idx="3">
+          <a:schemeClr val="accent1"/>
+        </a:effectRef>
+        <a:fontRef idx="minor">
+          <a:schemeClr val="lt1"/>
+        </a:fontRef>
+      </a:style>
+    </a:spDef>
+  </a:objectDefaults>
   <a:extraClrSchemeLst/>
-  <a:extLst>
-    <a:ext uri="{05A4C25C-085E-4340-85A3-A5531E510DB2}">
-      <thm15:themeFamily xmlns:thm15="http://schemas.microsoft.com/office/thememl/2012/main" name="Office Theme" id="{62F939B6-93AF-4DB8-9C6B-D6C7DFDC589F}" vid="{4A3C46E8-61CC-4603-A589-7422A47A8E4A}"/>
-    </a:ext>
-  </a:extLst>
 </a:theme>
 </file>
--- a/icons/internal/logo/logo.pptx
+++ b/icons/internal/logo/logo.pptx
@@ -305,7 +305,7 @@
             <a:fld id="{1D8BD707-D9CF-40AE-B4C6-C98DA3205C09}" type="datetimeFigureOut">
               <a:rPr lang="en-US" smtClean="0"/>
               <a:pPr/>
-              <a:t>6/17/2014</a:t>
+              <a:t>6/18/2014</a:t>
             </a:fld>
             <a:endParaRPr lang="en-US"/>
           </a:p>
@@ -472,7 +472,7 @@
             <a:fld id="{1D8BD707-D9CF-40AE-B4C6-C98DA3205C09}" type="datetimeFigureOut">
               <a:rPr lang="en-US" smtClean="0"/>
               <a:pPr/>
-              <a:t>6/17/2014</a:t>
+              <a:t>6/18/2014</a:t>
             </a:fld>
             <a:endParaRPr lang="en-US"/>
           </a:p>
@@ -649,7 +649,7 @@
             <a:fld id="{1D8BD707-D9CF-40AE-B4C6-C98DA3205C09}" type="datetimeFigureOut">
               <a:rPr lang="en-US" smtClean="0"/>
               <a:pPr/>
-              <a:t>6/17/2014</a:t>
+              <a:t>6/18/2014</a:t>
             </a:fld>
             <a:endParaRPr lang="en-US"/>
           </a:p>
@@ -816,7 +816,7 @@
             <a:fld id="{1D8BD707-D9CF-40AE-B4C6-C98DA3205C09}" type="datetimeFigureOut">
               <a:rPr lang="en-US" smtClean="0"/>
               <a:pPr/>
-              <a:t>6/17/2014</a:t>
+              <a:t>6/18/2014</a:t>
             </a:fld>
             <a:endParaRPr lang="en-US"/>
           </a:p>
@@ -1059,7 +1059,7 @@
             <a:fld id="{1D8BD707-D9CF-40AE-B4C6-C98DA3205C09}" type="datetimeFigureOut">
               <a:rPr lang="en-US" smtClean="0"/>
               <a:pPr/>
-              <a:t>6/17/2014</a:t>
+              <a:t>6/18/2014</a:t>
             </a:fld>
             <a:endParaRPr lang="en-US"/>
           </a:p>
@@ -1344,7 +1344,7 @@
             <a:fld id="{1D8BD707-D9CF-40AE-B4C6-C98DA3205C09}" type="datetimeFigureOut">
               <a:rPr lang="en-US" smtClean="0"/>
               <a:pPr/>
-              <a:t>6/17/2014</a:t>
+              <a:t>6/18/2014</a:t>
             </a:fld>
             <a:endParaRPr lang="en-US"/>
           </a:p>
@@ -1763,7 +1763,7 @@
             <a:fld id="{1D8BD707-D9CF-40AE-B4C6-C98DA3205C09}" type="datetimeFigureOut">
               <a:rPr lang="en-US" smtClean="0"/>
               <a:pPr/>
-              <a:t>6/17/2014</a:t>
+              <a:t>6/18/2014</a:t>
             </a:fld>
             <a:endParaRPr lang="en-US"/>
           </a:p>
@@ -1878,7 +1878,7 @@
             <a:fld id="{1D8BD707-D9CF-40AE-B4C6-C98DA3205C09}" type="datetimeFigureOut">
               <a:rPr lang="en-US" smtClean="0"/>
               <a:pPr/>
-              <a:t>6/17/2014</a:t>
+              <a:t>6/18/2014</a:t>
             </a:fld>
             <a:endParaRPr lang="en-US"/>
           </a:p>
@@ -1970,7 +1970,7 @@
             <a:fld id="{1D8BD707-D9CF-40AE-B4C6-C98DA3205C09}" type="datetimeFigureOut">
               <a:rPr lang="en-US" smtClean="0"/>
               <a:pPr/>
-              <a:t>6/17/2014</a:t>
+              <a:t>6/18/2014</a:t>
             </a:fld>
             <a:endParaRPr lang="en-US"/>
           </a:p>
@@ -2244,7 +2244,7 @@
             <a:fld id="{1D8BD707-D9CF-40AE-B4C6-C98DA3205C09}" type="datetimeFigureOut">
               <a:rPr lang="en-US" smtClean="0"/>
               <a:pPr/>
-              <a:t>6/17/2014</a:t>
+              <a:t>6/18/2014</a:t>
             </a:fld>
             <a:endParaRPr lang="en-US"/>
           </a:p>
@@ -2494,7 +2494,7 @@
             <a:fld id="{1D8BD707-D9CF-40AE-B4C6-C98DA3205C09}" type="datetimeFigureOut">
               <a:rPr lang="en-US" smtClean="0"/>
               <a:pPr/>
-              <a:t>6/17/2014</a:t>
+              <a:t>6/18/2014</a:t>
             </a:fld>
             <a:endParaRPr lang="en-US"/>
           </a:p>
@@ -2704,7 +2704,7 @@
             <a:fld id="{1D8BD707-D9CF-40AE-B4C6-C98DA3205C09}" type="datetimeFigureOut">
               <a:rPr lang="en-US" smtClean="0"/>
               <a:pPr/>
-              <a:t>6/17/2014</a:t>
+              <a:t>6/18/2014</a:t>
             </a:fld>
             <a:endParaRPr lang="en-US"/>
           </a:p>
@@ -3113,117 +3113,120 @@
           </a:p>
         </p:txBody>
       </p:sp>
-      <p:grpSp>
-        <p:nvGrpSpPr>
-          <p:cNvPr id="6" name="Group 5"/>
-          <p:cNvGrpSpPr/>
+      <p:sp>
+        <p:nvSpPr>
+          <p:cNvPr id="3" name="TextBox 2"/>
+          <p:cNvSpPr txBox="1"/>
           <p:nvPr/>
-        </p:nvGrpSpPr>
-        <p:grpSpPr>
+        </p:nvSpPr>
+        <p:spPr>
           <a:xfrm>
-            <a:off x="2743200" y="1005840"/>
-            <a:ext cx="46085760" cy="6766561"/>
-            <a:chOff x="1371600" y="1097280"/>
-            <a:chExt cx="46085760" cy="6766561"/>
+            <a:off x="3108960" y="1005840"/>
+            <a:ext cx="45720000" cy="6400800"/>
           </a:xfrm>
+          <a:prstGeom prst="rect">
+            <a:avLst/>
+          </a:prstGeom>
+          <a:noFill/>
           <a:scene3d>
             <a:camera prst="orthographicFront"/>
             <a:lightRig rig="threePt" dir="t"/>
           </a:scene3d>
-        </p:grpSpPr>
-        <p:sp>
-          <p:nvSpPr>
-            <p:cNvPr id="2" name="Folded Corner 1"/>
-            <p:cNvSpPr/>
-            <p:nvPr/>
-          </p:nvSpPr>
-          <p:spPr>
-            <a:xfrm>
-              <a:off x="1371600" y="1463040"/>
-              <a:ext cx="45720000" cy="6400801"/>
-            </a:xfrm>
-            <a:prstGeom prst="foldedCorner">
-              <a:avLst/>
-            </a:prstGeom>
-          </p:spPr>
-          <p:style>
-            <a:lnRef idx="0">
-              <a:schemeClr val="accent1"/>
-            </a:lnRef>
-            <a:fillRef idx="3">
-              <a:schemeClr val="accent1"/>
-            </a:fillRef>
-            <a:effectRef idx="3">
-              <a:schemeClr val="accent1"/>
-            </a:effectRef>
-            <a:fontRef idx="minor">
-              <a:schemeClr val="lt1"/>
-            </a:fontRef>
-          </p:style>
-          <p:txBody>
-            <a:bodyPr rtlCol="0" anchor="ctr"/>
-            <a:lstStyle/>
-            <a:p>
-              <a:pPr algn="ctr"/>
-              <a:endParaRPr lang="en-US" dirty="0">
-                <a:solidFill>
-                  <a:schemeClr val="tx1"/>
-                </a:solidFill>
-              </a:endParaRPr>
-            </a:p>
-          </p:txBody>
-        </p:sp>
-        <p:sp>
-          <p:nvSpPr>
-            <p:cNvPr id="3" name="TextBox 2"/>
-            <p:cNvSpPr txBox="1"/>
-            <p:nvPr/>
-          </p:nvSpPr>
-          <p:spPr>
-            <a:xfrm>
-              <a:off x="1737360" y="1097280"/>
-              <a:ext cx="45720000" cy="6400800"/>
-            </a:xfrm>
-            <a:prstGeom prst="rect">
-              <a:avLst/>
-            </a:prstGeom>
-            <a:noFill/>
-          </p:spPr>
-          <p:txBody>
-            <a:bodyPr wrap="square" rtlCol="0">
-              <a:spAutoFit/>
-            </a:bodyPr>
-            <a:lstStyle/>
-            <a:p>
-              <a:r>
-                <a:rPr lang="en-US" sz="50000" dirty="0">
-                  <a:solidFill>
-                    <a:schemeClr val="bg1"/>
-                  </a:solidFill>
-                  <a:latin typeface="Magneto" panose="04030805050802020D02" pitchFamily="82" charset="0"/>
-                </a:rPr>
-                <a:t>O</a:t>
-              </a:r>
-              <a:r>
-                <a:rPr lang="en-US" sz="50000" dirty="0">
-                  <a:solidFill>
-                    <a:schemeClr val="bg1"/>
-                  </a:solidFill>
-                  <a:latin typeface="Aharoni" panose="02010803020104030203" pitchFamily="2" charset="-79"/>
-                  <a:cs typeface="Aharoni" panose="02010803020104030203" pitchFamily="2" charset="-79"/>
-                </a:rPr>
-                <a:t>mnia Creator</a:t>
-              </a:r>
-              <a:endParaRPr lang="en-US" sz="50000" dirty="0">
-                <a:solidFill>
-                  <a:schemeClr val="bg1"/>
-                </a:solidFill>
+        </p:spPr>
+        <p:txBody>
+          <a:bodyPr wrap="square" rtlCol="0">
+            <a:spAutoFit/>
+          </a:bodyPr>
+          <a:lstStyle/>
+          <a:p>
+            <a:r>
+              <a:rPr lang="en-US" sz="50000" dirty="0" smtClean="0">
+                <a:gradFill>
+                  <a:gsLst>
+                    <a:gs pos="0">
+                      <a:schemeClr val="accent1">
+                        <a:shade val="51000"/>
+                        <a:satMod val="130000"/>
+                      </a:schemeClr>
+                    </a:gs>
+                    <a:gs pos="80000">
+                      <a:schemeClr val="accent1">
+                        <a:shade val="93000"/>
+                        <a:satMod val="130000"/>
+                      </a:schemeClr>
+                    </a:gs>
+                    <a:gs pos="100000">
+                      <a:schemeClr val="accent1">
+                        <a:shade val="94000"/>
+                        <a:satMod val="135000"/>
+                      </a:schemeClr>
+                    </a:gs>
+                  </a:gsLst>
+                  <a:lin ang="16200000" scaled="0"/>
+                </a:gradFill>
                 <a:latin typeface="Magneto" panose="04030805050802020D02" pitchFamily="82" charset="0"/>
-              </a:endParaRPr>
-            </a:p>
-          </p:txBody>
-        </p:sp>
-      </p:grpSp>
+              </a:rPr>
+              <a:t>O</a:t>
+            </a:r>
+            <a:r>
+              <a:rPr lang="en-US" sz="50000" dirty="0">
+                <a:gradFill>
+                  <a:gsLst>
+                    <a:gs pos="0">
+                      <a:schemeClr val="accent1">
+                        <a:shade val="51000"/>
+                        <a:satMod val="130000"/>
+                      </a:schemeClr>
+                    </a:gs>
+                    <a:gs pos="80000">
+                      <a:schemeClr val="accent1">
+                        <a:shade val="93000"/>
+                        <a:satMod val="130000"/>
+                      </a:schemeClr>
+                    </a:gs>
+                    <a:gs pos="100000">
+                      <a:schemeClr val="accent1">
+                        <a:shade val="94000"/>
+                        <a:satMod val="135000"/>
+                      </a:schemeClr>
+                    </a:gs>
+                  </a:gsLst>
+                  <a:lin ang="16200000" scaled="0"/>
+                </a:gradFill>
+                <a:latin typeface="Aharoni" panose="02010803020104030203" pitchFamily="2" charset="-79"/>
+                <a:cs typeface="Aharoni" panose="02010803020104030203" pitchFamily="2" charset="-79"/>
+              </a:rPr>
+              <a:t>mnia Creator</a:t>
+            </a:r>
+            <a:endParaRPr lang="en-US" sz="50000" dirty="0">
+              <a:gradFill>
+                <a:gsLst>
+                  <a:gs pos="0">
+                    <a:schemeClr val="accent1">
+                      <a:shade val="51000"/>
+                      <a:satMod val="130000"/>
+                    </a:schemeClr>
+                  </a:gs>
+                  <a:gs pos="80000">
+                    <a:schemeClr val="accent1">
+                      <a:shade val="93000"/>
+                      <a:satMod val="130000"/>
+                    </a:schemeClr>
+                  </a:gs>
+                  <a:gs pos="100000">
+                    <a:schemeClr val="accent1">
+                      <a:shade val="94000"/>
+                      <a:satMod val="135000"/>
+                    </a:schemeClr>
+                  </a:gs>
+                </a:gsLst>
+                <a:lin ang="16200000" scaled="0"/>
+              </a:gradFill>
+              <a:latin typeface="Magneto" panose="04030805050802020D02" pitchFamily="82" charset="0"/>
+            </a:endParaRPr>
+          </a:p>
+        </p:txBody>
+      </p:sp>
     </p:spTree>
     <p:extLst>
       <p:ext uri="{BB962C8B-B14F-4D97-AF65-F5344CB8AC3E}">
